--- a/20220523_OAC_Presentation_draft.pptx
+++ b/20220523_OAC_Presentation_draft.pptx
@@ -7,9 +7,11 @@
   <p:sldIdLst>
     <p:sldId id="256" r:id="rId2"/>
     <p:sldId id="260" r:id="rId3"/>
-    <p:sldId id="261" r:id="rId4"/>
-    <p:sldId id="258" r:id="rId5"/>
-    <p:sldId id="259" r:id="rId6"/>
+    <p:sldId id="263" r:id="rId4"/>
+    <p:sldId id="261" r:id="rId5"/>
+    <p:sldId id="258" r:id="rId6"/>
+    <p:sldId id="259" r:id="rId7"/>
+    <p:sldId id="262" r:id="rId8"/>
   </p:sldIdLst>
   <p:sldSz cx="12192000" cy="6858000"/>
   <p:notesSz cx="6858000" cy="9144000"/>
@@ -263,7 +265,7 @@
           <a:p>
             <a:fld id="{AF9EE272-ED91-4A04-B295-04882AEC7A0B}" type="datetimeFigureOut">
               <a:rPr lang="en-US" smtClean="0"/>
-              <a:t>5/25/2022</a:t>
+              <a:t>5/29/2022</a:t>
             </a:fld>
             <a:endParaRPr lang="en-US"/>
           </a:p>
@@ -461,7 +463,7 @@
           <a:p>
             <a:fld id="{AF9EE272-ED91-4A04-B295-04882AEC7A0B}" type="datetimeFigureOut">
               <a:rPr lang="en-US" smtClean="0"/>
-              <a:t>5/25/2022</a:t>
+              <a:t>5/29/2022</a:t>
             </a:fld>
             <a:endParaRPr lang="en-US"/>
           </a:p>
@@ -669,7 +671,7 @@
           <a:p>
             <a:fld id="{AF9EE272-ED91-4A04-B295-04882AEC7A0B}" type="datetimeFigureOut">
               <a:rPr lang="en-US" smtClean="0"/>
-              <a:t>5/25/2022</a:t>
+              <a:t>5/29/2022</a:t>
             </a:fld>
             <a:endParaRPr lang="en-US"/>
           </a:p>
@@ -867,7 +869,7 @@
           <a:p>
             <a:fld id="{AF9EE272-ED91-4A04-B295-04882AEC7A0B}" type="datetimeFigureOut">
               <a:rPr lang="en-US" smtClean="0"/>
-              <a:t>5/25/2022</a:t>
+              <a:t>5/29/2022</a:t>
             </a:fld>
             <a:endParaRPr lang="en-US"/>
           </a:p>
@@ -1142,7 +1144,7 @@
           <a:p>
             <a:fld id="{AF9EE272-ED91-4A04-B295-04882AEC7A0B}" type="datetimeFigureOut">
               <a:rPr lang="en-US" smtClean="0"/>
-              <a:t>5/25/2022</a:t>
+              <a:t>5/29/2022</a:t>
             </a:fld>
             <a:endParaRPr lang="en-US"/>
           </a:p>
@@ -1407,7 +1409,7 @@
           <a:p>
             <a:fld id="{AF9EE272-ED91-4A04-B295-04882AEC7A0B}" type="datetimeFigureOut">
               <a:rPr lang="en-US" smtClean="0"/>
-              <a:t>5/25/2022</a:t>
+              <a:t>5/29/2022</a:t>
             </a:fld>
             <a:endParaRPr lang="en-US"/>
           </a:p>
@@ -1819,7 +1821,7 @@
           <a:p>
             <a:fld id="{AF9EE272-ED91-4A04-B295-04882AEC7A0B}" type="datetimeFigureOut">
               <a:rPr lang="en-US" smtClean="0"/>
-              <a:t>5/25/2022</a:t>
+              <a:t>5/29/2022</a:t>
             </a:fld>
             <a:endParaRPr lang="en-US"/>
           </a:p>
@@ -1960,7 +1962,7 @@
           <a:p>
             <a:fld id="{AF9EE272-ED91-4A04-B295-04882AEC7A0B}" type="datetimeFigureOut">
               <a:rPr lang="en-US" smtClean="0"/>
-              <a:t>5/25/2022</a:t>
+              <a:t>5/29/2022</a:t>
             </a:fld>
             <a:endParaRPr lang="en-US"/>
           </a:p>
@@ -2073,7 +2075,7 @@
           <a:p>
             <a:fld id="{AF9EE272-ED91-4A04-B295-04882AEC7A0B}" type="datetimeFigureOut">
               <a:rPr lang="en-US" smtClean="0"/>
-              <a:t>5/25/2022</a:t>
+              <a:t>5/29/2022</a:t>
             </a:fld>
             <a:endParaRPr lang="en-US"/>
           </a:p>
@@ -2384,7 +2386,7 @@
           <a:p>
             <a:fld id="{AF9EE272-ED91-4A04-B295-04882AEC7A0B}" type="datetimeFigureOut">
               <a:rPr lang="en-US" smtClean="0"/>
-              <a:t>5/25/2022</a:t>
+              <a:t>5/29/2022</a:t>
             </a:fld>
             <a:endParaRPr lang="en-US"/>
           </a:p>
@@ -2672,7 +2674,7 @@
           <a:p>
             <a:fld id="{AF9EE272-ED91-4A04-B295-04882AEC7A0B}" type="datetimeFigureOut">
               <a:rPr lang="en-US" smtClean="0"/>
-              <a:t>5/25/2022</a:t>
+              <a:t>5/29/2022</a:t>
             </a:fld>
             <a:endParaRPr lang="en-US"/>
           </a:p>
@@ -2913,7 +2915,7 @@
           <a:p>
             <a:fld id="{AF9EE272-ED91-4A04-B295-04882AEC7A0B}" type="datetimeFigureOut">
               <a:rPr lang="en-US" smtClean="0"/>
-              <a:t>5/25/2022</a:t>
+              <a:t>5/29/2022</a:t>
             </a:fld>
             <a:endParaRPr lang="en-US"/>
           </a:p>
@@ -3344,8 +3346,8 @@
         </p:nvSpPr>
         <p:spPr>
           <a:xfrm>
-            <a:off x="5695406" y="1933303"/>
-            <a:ext cx="5505994" cy="3693319"/>
+            <a:off x="5094516" y="1997839"/>
+            <a:ext cx="5505994" cy="2862322"/>
           </a:xfrm>
           <a:prstGeom prst="rect">
             <a:avLst/>
@@ -3365,7 +3367,7 @@
                 </a:solidFill>
                 <a:effectLst/>
               </a:rPr>
-              <a:t>Project 3</a:t>
+              <a:t>Order and Chaos</a:t>
             </a:r>
           </a:p>
           <a:p>
@@ -3383,7 +3385,7 @@
                 </a:solidFill>
                 <a:effectLst/>
               </a:rPr>
-              <a:t>May 2022</a:t>
+              <a:t>June 2022</a:t>
             </a:r>
           </a:p>
           <a:p>
@@ -3451,206 +3453,8 @@
               </a:solidFill>
             </a:endParaRPr>
           </a:p>
-          <a:p>
-            <a:r>
-              <a:rPr lang="en-US" dirty="0">
-                <a:solidFill>
-                  <a:srgbClr val="202124"/>
-                </a:solidFill>
-              </a:rPr>
-              <a:t>Showing the backend Fintech side – take a fee from players to make $ - next step to put much more game play on top of </a:t>
-            </a:r>
-            <a:r>
-              <a:rPr lang="en-US">
-                <a:solidFill>
-                  <a:srgbClr val="202124"/>
-                </a:solidFill>
-              </a:rPr>
-              <a:t>the structure</a:t>
-            </a:r>
-            <a:endParaRPr lang="en-US" dirty="0"/>
-          </a:p>
-        </p:txBody>
-      </p:sp>
-      <p:grpSp>
-        <p:nvGrpSpPr>
-          <p:cNvPr id="6" name="Group 5">
-            <a:extLst>
-              <a:ext uri="{FF2B5EF4-FFF2-40B4-BE49-F238E27FC236}">
-                <a16:creationId xmlns:a16="http://schemas.microsoft.com/office/drawing/2014/main" id="{A7AF8308-F0CE-9F54-FE02-C442255BE354}"/>
-              </a:ext>
-            </a:extLst>
-          </p:cNvPr>
-          <p:cNvGrpSpPr/>
-          <p:nvPr/>
-        </p:nvGrpSpPr>
-        <p:grpSpPr>
-          <a:xfrm>
-            <a:off x="2664823" y="4640183"/>
-            <a:ext cx="2508068" cy="998752"/>
-            <a:chOff x="2664823" y="4640183"/>
-            <a:chExt cx="2508068" cy="998752"/>
-          </a:xfrm>
-        </p:grpSpPr>
-        <p:sp>
-          <p:nvSpPr>
-            <p:cNvPr id="2" name="Lightning Bolt 1">
-              <a:extLst>
-                <a:ext uri="{FF2B5EF4-FFF2-40B4-BE49-F238E27FC236}">
-                  <a16:creationId xmlns:a16="http://schemas.microsoft.com/office/drawing/2014/main" id="{3A696067-1BB3-3F06-256F-EB1A357B351A}"/>
-                </a:ext>
-              </a:extLst>
-            </p:cNvPr>
-            <p:cNvSpPr/>
-            <p:nvPr/>
-          </p:nvSpPr>
-          <p:spPr>
-            <a:xfrm rot="21438362" flipH="1">
-              <a:off x="2664823" y="4746171"/>
-              <a:ext cx="2508068" cy="722812"/>
-            </a:xfrm>
-            <a:prstGeom prst="lightningBolt">
-              <a:avLst/>
-            </a:prstGeom>
-            <a:solidFill>
-              <a:srgbClr val="C00000"/>
-            </a:solidFill>
-            <a:ln>
-              <a:solidFill>
-                <a:srgbClr val="C00000"/>
-              </a:solidFill>
-            </a:ln>
-          </p:spPr>
-          <p:style>
-            <a:lnRef idx="2">
-              <a:schemeClr val="accent1">
-                <a:shade val="50000"/>
-              </a:schemeClr>
-            </a:lnRef>
-            <a:fillRef idx="1">
-              <a:schemeClr val="accent1"/>
-            </a:fillRef>
-            <a:effectRef idx="0">
-              <a:schemeClr val="accent1"/>
-            </a:effectRef>
-            <a:fontRef idx="minor">
-              <a:schemeClr val="lt1"/>
-            </a:fontRef>
-          </p:style>
-          <p:txBody>
-            <a:bodyPr rtlCol="0" anchor="ctr"/>
-            <a:lstStyle/>
-            <a:p>
-              <a:pPr algn="ctr"/>
-              <a:endParaRPr lang="en-US"/>
-            </a:p>
-          </p:txBody>
-        </p:sp>
-        <p:sp>
-          <p:nvSpPr>
-            <p:cNvPr id="3" name="TextBox 2">
-              <a:extLst>
-                <a:ext uri="{FF2B5EF4-FFF2-40B4-BE49-F238E27FC236}">
-                  <a16:creationId xmlns:a16="http://schemas.microsoft.com/office/drawing/2014/main" id="{6CCAE942-2F3D-C9A8-571E-6258019BF875}"/>
-                </a:ext>
-              </a:extLst>
-            </p:cNvPr>
-            <p:cNvSpPr txBox="1"/>
-            <p:nvPr/>
-          </p:nvSpPr>
-          <p:spPr>
-            <a:xfrm rot="20542824">
-              <a:off x="3389705" y="5269603"/>
-              <a:ext cx="1058303" cy="369332"/>
-            </a:xfrm>
-            <a:prstGeom prst="rect">
-              <a:avLst/>
-            </a:prstGeom>
-            <a:noFill/>
-          </p:spPr>
-          <p:txBody>
-            <a:bodyPr wrap="none" rtlCol="0">
-              <a:spAutoFit/>
-            </a:bodyPr>
-            <a:lstStyle/>
-            <a:p>
-              <a:r>
-                <a:rPr lang="en-US" b="1" dirty="0">
-                  <a:latin typeface="Ravie" panose="04040805050809020602" pitchFamily="82" charset="0"/>
-                </a:rPr>
-                <a:t>Chaos</a:t>
-              </a:r>
-            </a:p>
-          </p:txBody>
-        </p:sp>
-        <p:sp>
-          <p:nvSpPr>
-            <p:cNvPr id="5" name="TextBox 4">
-              <a:extLst>
-                <a:ext uri="{FF2B5EF4-FFF2-40B4-BE49-F238E27FC236}">
-                  <a16:creationId xmlns:a16="http://schemas.microsoft.com/office/drawing/2014/main" id="{F5E16298-5DF3-9A66-7FCA-0231C0E24389}"/>
-                </a:ext>
-              </a:extLst>
-            </p:cNvPr>
-            <p:cNvSpPr txBox="1"/>
-            <p:nvPr/>
-          </p:nvSpPr>
-          <p:spPr>
-            <a:xfrm rot="20065101">
-              <a:off x="3003091" y="4640183"/>
-              <a:ext cx="939681" cy="400110"/>
-            </a:xfrm>
-            <a:prstGeom prst="rect">
-              <a:avLst/>
-            </a:prstGeom>
-            <a:noFill/>
-          </p:spPr>
-          <p:txBody>
-            <a:bodyPr wrap="none" rtlCol="0">
-              <a:spAutoFit/>
-            </a:bodyPr>
-            <a:lstStyle/>
-            <a:p>
-              <a:r>
-                <a:rPr lang="en-US" sz="2000" b="1" dirty="0">
-                  <a:latin typeface="Bookman Old Style" panose="02050604050505020204" pitchFamily="18" charset="0"/>
-                </a:rPr>
-                <a:t>Order</a:t>
-              </a:r>
-            </a:p>
-          </p:txBody>
-        </p:sp>
-      </p:grpSp>
-      <p:pic>
-        <p:nvPicPr>
-          <p:cNvPr id="7" name="Picture 6">
-            <a:extLst>
-              <a:ext uri="{FF2B5EF4-FFF2-40B4-BE49-F238E27FC236}">
-                <a16:creationId xmlns:a16="http://schemas.microsoft.com/office/drawing/2014/main" id="{A4F3FCF1-7C2A-8068-BA44-1885534C9B5B}"/>
-              </a:ext>
-            </a:extLst>
-          </p:cNvPr>
-          <p:cNvPicPr>
-            <a:picLocks noChangeAspect="1"/>
-          </p:cNvPicPr>
-          <p:nvPr/>
-        </p:nvPicPr>
-        <p:blipFill>
-          <a:blip r:embed="rId2"/>
-          <a:stretch>
-            <a:fillRect/>
-          </a:stretch>
-        </p:blipFill>
-        <p:spPr>
-          <a:xfrm>
-            <a:off x="7867157" y="2963269"/>
-            <a:ext cx="2572735" cy="1493649"/>
-          </a:xfrm>
-          <a:prstGeom prst="rect">
-            <a:avLst/>
-          </a:prstGeom>
-        </p:spPr>
-      </p:pic>
+        </p:txBody>
+      </p:sp>
     </p:spTree>
     <p:extLst>
       <p:ext uri="{BB962C8B-B14F-4D97-AF65-F5344CB8AC3E}">
@@ -3695,8 +3499,8 @@
         </p:nvSpPr>
         <p:spPr>
           <a:xfrm>
-            <a:off x="2027945" y="896724"/>
-            <a:ext cx="8136109" cy="1792798"/>
+            <a:off x="1296424" y="1828542"/>
+            <a:ext cx="10140233" cy="2708434"/>
           </a:xfrm>
           <a:prstGeom prst="rect">
             <a:avLst/>
@@ -3711,7 +3515,7 @@
           <a:p>
             <a:pPr algn="ctr"/>
             <a:r>
-              <a:rPr lang="en-US" sz="1050" b="1" i="0" dirty="0">
+              <a:rPr lang="en-US" sz="1600" b="1" i="0" dirty="0">
                 <a:solidFill>
                   <a:srgbClr val="202124"/>
                 </a:solidFill>
@@ -3721,7 +3525,7 @@
             </a:r>
           </a:p>
           <a:p>
-            <a:endParaRPr lang="en-US" sz="1000" dirty="0">
+            <a:endParaRPr lang="en-US" sz="1400" dirty="0">
               <a:solidFill>
                 <a:srgbClr val="202124"/>
               </a:solidFill>
@@ -3729,7 +3533,7 @@
           </a:p>
           <a:p>
             <a:r>
-              <a:rPr lang="en-US" sz="1000" b="0" i="0" dirty="0">
+              <a:rPr lang="en-US" sz="1400" b="0" i="0" dirty="0">
                 <a:solidFill>
                   <a:srgbClr val="202124"/>
                 </a:solidFill>
@@ -3739,7 +3543,7 @@
             </a:r>
           </a:p>
           <a:p>
-            <a:endParaRPr lang="en-US" sz="1000" dirty="0">
+            <a:endParaRPr lang="en-US" sz="1400" dirty="0">
               <a:solidFill>
                 <a:srgbClr val="202124"/>
               </a:solidFill>
@@ -3747,7 +3551,7 @@
           </a:p>
           <a:p>
             <a:r>
-              <a:rPr lang="en-US" sz="1000" b="0" i="0" dirty="0">
+              <a:rPr lang="en-US" sz="1400" b="0" i="0" dirty="0">
                 <a:solidFill>
                   <a:srgbClr val="202124"/>
                 </a:solidFill>
@@ -3757,7 +3561,7 @@
             </a:r>
           </a:p>
           <a:p>
-            <a:endParaRPr lang="en-US" sz="1000" dirty="0">
+            <a:endParaRPr lang="en-US" sz="1400" dirty="0">
               <a:solidFill>
                 <a:srgbClr val="202124"/>
               </a:solidFill>
@@ -3765,7 +3569,7 @@
           </a:p>
           <a:p>
             <a:r>
-              <a:rPr lang="en-US" sz="1000" b="0" i="0" dirty="0">
+              <a:rPr lang="en-US" sz="1400" b="0" i="0" dirty="0">
                 <a:solidFill>
                   <a:srgbClr val="202124"/>
                 </a:solidFill>
@@ -3775,7 +3579,7 @@
             </a:r>
           </a:p>
           <a:p>
-            <a:endParaRPr lang="en-US" sz="1000" dirty="0">
+            <a:endParaRPr lang="en-US" sz="1400" dirty="0">
               <a:solidFill>
                 <a:srgbClr val="202124"/>
               </a:solidFill>
@@ -3783,249 +3587,13 @@
           </a:p>
           <a:p>
             <a:r>
-              <a:rPr lang="en-US" sz="1000" b="0" i="0" dirty="0">
+              <a:rPr lang="en-US" sz="1400" b="0" i="0" dirty="0">
                 <a:solidFill>
                   <a:srgbClr val="202124"/>
                 </a:solidFill>
                 <a:effectLst/>
               </a:rPr>
-              <a:t>For the POC, we will create a working model of the game that is deployed on a test network. Ultimately the goal for the product would be to generate revenue by monetizing the game and building the value of the OAC tokens.</a:t>
-            </a:r>
-          </a:p>
-        </p:txBody>
-      </p:sp>
-      <p:sp>
-        <p:nvSpPr>
-          <p:cNvPr id="3" name="TextBox 2">
-            <a:extLst>
-              <a:ext uri="{FF2B5EF4-FFF2-40B4-BE49-F238E27FC236}">
-                <a16:creationId xmlns:a16="http://schemas.microsoft.com/office/drawing/2014/main" id="{34CE54B5-7E96-75C6-C8F4-45E78D224FCF}"/>
-              </a:ext>
-            </a:extLst>
-          </p:cNvPr>
-          <p:cNvSpPr txBox="1"/>
-          <p:nvPr/>
-        </p:nvSpPr>
-        <p:spPr>
-          <a:xfrm>
-            <a:off x="825011" y="3166000"/>
-            <a:ext cx="10800932" cy="2870016"/>
-          </a:xfrm>
-          <a:prstGeom prst="rect">
-            <a:avLst/>
-          </a:prstGeom>
-          <a:noFill/>
-        </p:spPr>
-        <p:txBody>
-          <a:bodyPr wrap="square" rtlCol="0">
-            <a:spAutoFit/>
-          </a:bodyPr>
-          <a:lstStyle/>
-          <a:p>
-            <a:endParaRPr lang="en-US" sz="1000" b="0" i="0" dirty="0">
-              <a:solidFill>
-                <a:srgbClr val="202124"/>
-              </a:solidFill>
-              <a:effectLst/>
-            </a:endParaRPr>
-          </a:p>
-          <a:p>
-            <a:pPr algn="ctr"/>
-            <a:r>
-              <a:rPr lang="en-US" sz="1050" b="1" dirty="0">
-                <a:solidFill>
-                  <a:srgbClr val="202124"/>
-                </a:solidFill>
-              </a:rPr>
-              <a:t>Audience and User Stories</a:t>
-            </a:r>
-          </a:p>
-          <a:p>
-            <a:endParaRPr lang="en-US" sz="1000" dirty="0">
-              <a:solidFill>
-                <a:srgbClr val="202124"/>
-              </a:solidFill>
-            </a:endParaRPr>
-          </a:p>
-          <a:p>
-            <a:r>
-              <a:rPr lang="en-US" sz="1000" b="0" i="0" dirty="0">
-                <a:solidFill>
-                  <a:srgbClr val="202124"/>
-                </a:solidFill>
-                <a:effectLst/>
-              </a:rPr>
-              <a:t>The target audience will be people who are interested in the intersection of blockchain and gaming. </a:t>
-            </a:r>
-          </a:p>
-          <a:p>
-            <a:endParaRPr lang="en-US" sz="1000" dirty="0">
-              <a:solidFill>
-                <a:srgbClr val="202124"/>
-              </a:solidFill>
-            </a:endParaRPr>
-          </a:p>
-          <a:p>
-            <a:r>
-              <a:rPr lang="en-US" sz="1000" b="0" i="0" dirty="0">
-                <a:solidFill>
-                  <a:srgbClr val="202124"/>
-                </a:solidFill>
-                <a:effectLst/>
-              </a:rPr>
-              <a:t>------------------------------------------------------------------</a:t>
-            </a:r>
-          </a:p>
-          <a:p>
-            <a:endParaRPr lang="en-US" sz="1000" dirty="0">
-              <a:solidFill>
-                <a:srgbClr val="202124"/>
-              </a:solidFill>
-            </a:endParaRPr>
-          </a:p>
-          <a:p>
-            <a:pPr marL="628650" lvl="1" indent="-171450">
-              <a:buFont typeface="Arial" panose="020B0604020202020204" pitchFamily="34" charset="0"/>
-              <a:buChar char="•"/>
-            </a:pPr>
-            <a:r>
-              <a:rPr lang="en-US" sz="1000" b="0" i="0" dirty="0">
-                <a:solidFill>
-                  <a:srgbClr val="202124"/>
-                </a:solidFill>
-                <a:effectLst/>
-              </a:rPr>
-              <a:t>As a gamer, I want to have fun while having the chance to earn tokens so I feel that my time is well spent. </a:t>
-            </a:r>
-          </a:p>
-          <a:p>
-            <a:pPr marL="628650" lvl="1" indent="-171450">
-              <a:buFont typeface="Arial" panose="020B0604020202020204" pitchFamily="34" charset="0"/>
-              <a:buChar char="•"/>
-            </a:pPr>
-            <a:endParaRPr lang="en-US" sz="1000" dirty="0">
-              <a:solidFill>
-                <a:srgbClr val="202124"/>
-              </a:solidFill>
-            </a:endParaRPr>
-          </a:p>
-          <a:p>
-            <a:pPr marL="628650" lvl="1" indent="-171450">
-              <a:buFont typeface="Arial" panose="020B0604020202020204" pitchFamily="34" charset="0"/>
-              <a:buChar char="•"/>
-            </a:pPr>
-            <a:r>
-              <a:rPr lang="en-US" sz="1000" b="0" i="0" dirty="0">
-                <a:solidFill>
-                  <a:srgbClr val="202124"/>
-                </a:solidFill>
-                <a:effectLst/>
-              </a:rPr>
-              <a:t>As a gamer, I want to be able to create a character as an NFT so that I have the possibility of re-selling the NFT in the future. </a:t>
-            </a:r>
-          </a:p>
-          <a:p>
-            <a:pPr marL="628650" lvl="1" indent="-171450">
-              <a:buFont typeface="Arial" panose="020B0604020202020204" pitchFamily="34" charset="0"/>
-              <a:buChar char="•"/>
-            </a:pPr>
-            <a:endParaRPr lang="en-US" sz="1000" dirty="0">
-              <a:solidFill>
-                <a:srgbClr val="202124"/>
-              </a:solidFill>
-            </a:endParaRPr>
-          </a:p>
-          <a:p>
-            <a:pPr marL="628650" lvl="1" indent="-171450">
-              <a:buFont typeface="Arial" panose="020B0604020202020204" pitchFamily="34" charset="0"/>
-              <a:buChar char="•"/>
-            </a:pPr>
-            <a:r>
-              <a:rPr lang="en-US" sz="1000" b="0" i="0" dirty="0">
-                <a:solidFill>
-                  <a:srgbClr val="202124"/>
-                </a:solidFill>
-                <a:effectLst/>
-              </a:rPr>
-              <a:t>As a gamer, I want the game to be set up in a transparent way so that I can compete and trust the result, win or lose. </a:t>
-            </a:r>
-          </a:p>
-          <a:p>
-            <a:pPr marL="628650" lvl="1" indent="-171450">
-              <a:buFont typeface="Arial" panose="020B0604020202020204" pitchFamily="34" charset="0"/>
-              <a:buChar char="•"/>
-            </a:pPr>
-            <a:endParaRPr lang="en-US" sz="1000" dirty="0">
-              <a:solidFill>
-                <a:srgbClr val="202124"/>
-              </a:solidFill>
-            </a:endParaRPr>
-          </a:p>
-          <a:p>
-            <a:pPr marL="628650" lvl="1" indent="-171450">
-              <a:buFont typeface="Arial" panose="020B0604020202020204" pitchFamily="34" charset="0"/>
-              <a:buChar char="•"/>
-            </a:pPr>
-            <a:r>
-              <a:rPr lang="en-US" sz="1000" b="0" i="0" dirty="0">
-                <a:solidFill>
-                  <a:srgbClr val="202124"/>
-                </a:solidFill>
-                <a:effectLst/>
-              </a:rPr>
-              <a:t>As a gamer, I want to ensure that the transfer of tokens is secure so that I do not lose value. </a:t>
-            </a:r>
-          </a:p>
-          <a:p>
-            <a:pPr marL="628650" lvl="1" indent="-171450">
-              <a:buFont typeface="Arial" panose="020B0604020202020204" pitchFamily="34" charset="0"/>
-              <a:buChar char="•"/>
-            </a:pPr>
-            <a:endParaRPr lang="en-US" sz="1000" dirty="0">
-              <a:solidFill>
-                <a:srgbClr val="202124"/>
-              </a:solidFill>
-            </a:endParaRPr>
-          </a:p>
-          <a:p>
-            <a:pPr marL="628650" lvl="1" indent="-171450">
-              <a:buFont typeface="Arial" panose="020B0604020202020204" pitchFamily="34" charset="0"/>
-              <a:buChar char="•"/>
-            </a:pPr>
-            <a:r>
-              <a:rPr lang="en-US" sz="1000" b="0" i="0" dirty="0">
-                <a:solidFill>
-                  <a:srgbClr val="202124"/>
-                </a:solidFill>
-                <a:effectLst/>
-              </a:rPr>
-              <a:t>As a game administrator, I want to ensure that the treasury component of the blockchain is accurately accounting for token transfers so that no tokens are misdirected. </a:t>
-            </a:r>
-          </a:p>
-          <a:p>
-            <a:pPr marL="628650" lvl="1" indent="-171450">
-              <a:buFont typeface="Arial" panose="020B0604020202020204" pitchFamily="34" charset="0"/>
-              <a:buChar char="•"/>
-            </a:pPr>
-            <a:endParaRPr lang="en-US" sz="1000" dirty="0">
-              <a:solidFill>
-                <a:srgbClr val="202124"/>
-              </a:solidFill>
-            </a:endParaRPr>
-          </a:p>
-          <a:p>
-            <a:pPr marL="628650" lvl="1" indent="-171450">
-              <a:buFont typeface="Arial" panose="020B0604020202020204" pitchFamily="34" charset="0"/>
-              <a:buChar char="•"/>
-            </a:pPr>
-            <a:r>
-              <a:rPr lang="en-US" sz="1000" b="0" i="0" dirty="0">
-                <a:solidFill>
-                  <a:srgbClr val="202124"/>
-                </a:solidFill>
-                <a:effectLst/>
-              </a:rPr>
-              <a:t>As a game administrator, I want to make sure that the game code is secure so that no unauthorized people can mint new tokens or steal tokens.</a:t>
+              <a:t>For the POC, we will create a working model of the game that is deployed on a test network. Our focus here is to establish the backend Fintech blockchain components. Ultimately the goal for the product would be to improve the gameplay to generate revenue by monetizing the game and building the value of the OAC tokens.</a:t>
             </a:r>
           </a:p>
         </p:txBody>
@@ -4062,10 +3630,10 @@
       </p:grpSpPr>
       <p:sp>
         <p:nvSpPr>
-          <p:cNvPr id="2" name="TextBox 1">
-            <a:extLst>
-              <a:ext uri="{FF2B5EF4-FFF2-40B4-BE49-F238E27FC236}">
-                <a16:creationId xmlns:a16="http://schemas.microsoft.com/office/drawing/2014/main" id="{8C46D993-3F88-8E35-298C-E59D82DE74D4}"/>
+          <p:cNvPr id="3" name="TextBox 2">
+            <a:extLst>
+              <a:ext uri="{FF2B5EF4-FFF2-40B4-BE49-F238E27FC236}">
+                <a16:creationId xmlns:a16="http://schemas.microsoft.com/office/drawing/2014/main" id="{34CE54B5-7E96-75C6-C8F4-45E78D224FCF}"/>
               </a:ext>
             </a:extLst>
           </p:cNvPr>
@@ -4074,8 +3642,8 @@
         </p:nvSpPr>
         <p:spPr>
           <a:xfrm>
-            <a:off x="476668" y="89624"/>
-            <a:ext cx="6246349" cy="1954381"/>
+            <a:off x="791329" y="581297"/>
+            <a:ext cx="10800932" cy="5663089"/>
           </a:xfrm>
           <a:prstGeom prst="rect">
             <a:avLst/>
@@ -4088,35 +3656,7 @@
           </a:bodyPr>
           <a:lstStyle/>
           <a:p>
-            <a:endParaRPr lang="en-US" sz="1000" dirty="0">
-              <a:solidFill>
-                <a:srgbClr val="202124"/>
-              </a:solidFill>
-            </a:endParaRPr>
-          </a:p>
-          <a:p>
-            <a:pPr algn="ctr"/>
-            <a:endParaRPr lang="en-US" sz="1000" dirty="0">
-              <a:solidFill>
-                <a:srgbClr val="202124"/>
-              </a:solidFill>
-            </a:endParaRPr>
-          </a:p>
-          <a:p>
-            <a:pPr algn="ctr"/>
-            <a:r>
-              <a:rPr lang="en-US" sz="1050" b="1" i="0" dirty="0">
-                <a:solidFill>
-                  <a:srgbClr val="202124"/>
-                </a:solidFill>
-                <a:effectLst/>
-              </a:rPr>
-              <a:t>Acceptance Criteria</a:t>
-            </a:r>
-          </a:p>
-          <a:p>
-            <a:pPr algn="l"/>
-            <a:endParaRPr lang="en-US" sz="1050" b="1" i="0" dirty="0">
+            <a:endParaRPr lang="en-US" sz="1200" b="0" i="0" dirty="0">
               <a:solidFill>
                 <a:srgbClr val="202124"/>
               </a:solidFill>
@@ -4124,18 +3664,72 @@
             </a:endParaRPr>
           </a:p>
           <a:p>
+            <a:pPr algn="ctr"/>
+            <a:r>
+              <a:rPr lang="en-US" sz="1400" b="1" dirty="0">
+                <a:solidFill>
+                  <a:srgbClr val="202124"/>
+                </a:solidFill>
+              </a:rPr>
+              <a:t>Audience and User Stories</a:t>
+            </a:r>
+          </a:p>
+          <a:p>
+            <a:endParaRPr lang="en-US" sz="1200" dirty="0">
+              <a:solidFill>
+                <a:srgbClr val="202124"/>
+              </a:solidFill>
+            </a:endParaRPr>
+          </a:p>
+          <a:p>
+            <a:r>
+              <a:rPr lang="en-US" sz="1200" b="0" i="0" dirty="0">
+                <a:solidFill>
+                  <a:srgbClr val="202124"/>
+                </a:solidFill>
+                <a:effectLst/>
+              </a:rPr>
+              <a:t>The target audience will be people who are interested in the intersection of blockchain and gaming. </a:t>
+            </a:r>
+          </a:p>
+          <a:p>
+            <a:endParaRPr lang="en-US" sz="1200" dirty="0">
+              <a:solidFill>
+                <a:srgbClr val="202124"/>
+              </a:solidFill>
+            </a:endParaRPr>
+          </a:p>
+          <a:p>
+            <a:r>
+              <a:rPr lang="en-US" sz="1200" b="0" i="0" dirty="0">
+                <a:solidFill>
+                  <a:srgbClr val="202124"/>
+                </a:solidFill>
+                <a:effectLst/>
+              </a:rPr>
+              <a:t>------------------------------------------------------------------</a:t>
+            </a:r>
+          </a:p>
+          <a:p>
+            <a:endParaRPr lang="en-US" sz="1200" dirty="0">
+              <a:solidFill>
+                <a:srgbClr val="202124"/>
+              </a:solidFill>
+            </a:endParaRPr>
+          </a:p>
+          <a:p>
             <a:pPr marL="628650" lvl="1" indent="-171450">
               <a:buFont typeface="Arial" panose="020B0604020202020204" pitchFamily="34" charset="0"/>
               <a:buChar char="•"/>
             </a:pPr>
             <a:r>
-              <a:rPr lang="en-US" sz="1000" b="0" i="0" dirty="0">
+              <a:rPr lang="en-US" sz="1200" b="0" i="0" dirty="0">
                 <a:solidFill>
                   <a:srgbClr val="202124"/>
                 </a:solidFill>
                 <a:effectLst/>
               </a:rPr>
-              <a:t>The game must have an enticing story, theme, and user interface in order to attract players. </a:t>
+              <a:t>As a gamer, I want to have fun while having the chance to earn tokens so I feel that my time is well spent. </a:t>
             </a:r>
           </a:p>
           <a:p>
@@ -4143,15 +3737,11 @@
               <a:buFont typeface="Arial" panose="020B0604020202020204" pitchFamily="34" charset="0"/>
               <a:buChar char="•"/>
             </a:pPr>
-            <a:r>
-              <a:rPr lang="en-US" sz="1000" b="0" i="0" dirty="0">
-                <a:solidFill>
-                  <a:srgbClr val="202124"/>
-                </a:solidFill>
-                <a:effectLst/>
-              </a:rPr>
-              <a:t>The game must provide gameplay that offers reasonable challenge and rewards in order to keep players coming back. </a:t>
-            </a:r>
+            <a:endParaRPr lang="en-US" sz="1200" dirty="0">
+              <a:solidFill>
+                <a:srgbClr val="202124"/>
+              </a:solidFill>
+            </a:endParaRPr>
           </a:p>
           <a:p>
             <a:pPr marL="628650" lvl="1" indent="-171450">
@@ -4159,13 +3749,13 @@
               <a:buChar char="•"/>
             </a:pPr>
             <a:r>
-              <a:rPr lang="en-US" sz="1000" b="0" i="0" dirty="0">
+              <a:rPr lang="en-US" sz="1200" b="0" i="0" dirty="0">
                 <a:solidFill>
                   <a:srgbClr val="202124"/>
                 </a:solidFill>
                 <a:effectLst/>
               </a:rPr>
-              <a:t>The game must produce a token and NFTs that are designed with appropriate standards so that they could be publicly traded in a future release. </a:t>
+              <a:t>As a gamer, I want to be able to create a character as an NFT so that I have the possibility of re-selling the NFT in the future. </a:t>
             </a:r>
           </a:p>
           <a:p>
@@ -4173,15 +3763,11 @@
               <a:buFont typeface="Arial" panose="020B0604020202020204" pitchFamily="34" charset="0"/>
               <a:buChar char="•"/>
             </a:pPr>
-            <a:r>
-              <a:rPr lang="en-US" sz="1000" b="0" i="0" dirty="0">
-                <a:solidFill>
-                  <a:srgbClr val="202124"/>
-                </a:solidFill>
-                <a:effectLst/>
-              </a:rPr>
-              <a:t>The game must have security for the data storage, minting of tokens, and transfer of tokens according to Ethereum blockchain standards. </a:t>
-            </a:r>
+            <a:endParaRPr lang="en-US" sz="1200" dirty="0">
+              <a:solidFill>
+                <a:srgbClr val="202124"/>
+              </a:solidFill>
+            </a:endParaRPr>
           </a:p>
           <a:p>
             <a:pPr marL="628650" lvl="1" indent="-171450">
@@ -4189,300 +3775,253 @@
               <a:buChar char="•"/>
             </a:pPr>
             <a:r>
-              <a:rPr lang="en-US" sz="1000" b="0" i="0" dirty="0">
+              <a:rPr lang="en-US" sz="1200" b="0" i="0" dirty="0">
                 <a:solidFill>
                   <a:srgbClr val="202124"/>
                 </a:solidFill>
                 <a:effectLst/>
               </a:rPr>
-              <a:t>The game must function properly to allow game play and token transfers while being gas efficient. </a:t>
-            </a:r>
-          </a:p>
-        </p:txBody>
-      </p:sp>
-      <p:sp>
-        <p:nvSpPr>
-          <p:cNvPr id="3" name="TextBox 2">
-            <a:extLst>
-              <a:ext uri="{FF2B5EF4-FFF2-40B4-BE49-F238E27FC236}">
-                <a16:creationId xmlns:a16="http://schemas.microsoft.com/office/drawing/2014/main" id="{53D0F2CC-500A-AF28-FA05-892F55D2E6DD}"/>
-              </a:ext>
-            </a:extLst>
-          </p:cNvPr>
-          <p:cNvSpPr txBox="1"/>
-          <p:nvPr/>
-        </p:nvSpPr>
-        <p:spPr>
-          <a:xfrm>
-            <a:off x="6278880" y="2044005"/>
-            <a:ext cx="5338354" cy="1792798"/>
-          </a:xfrm>
-          <a:prstGeom prst="rect">
-            <a:avLst/>
-          </a:prstGeom>
-          <a:noFill/>
-        </p:spPr>
-        <p:txBody>
-          <a:bodyPr wrap="square" rtlCol="0">
-            <a:spAutoFit/>
-          </a:bodyPr>
-          <a:lstStyle/>
-          <a:p>
-            <a:pPr algn="ctr"/>
-            <a:r>
-              <a:rPr lang="en-US" sz="1050" b="1" dirty="0">
-                <a:solidFill>
-                  <a:srgbClr val="202124"/>
-                </a:solidFill>
-              </a:rPr>
-              <a:t>Tasks</a:t>
-            </a:r>
-          </a:p>
-          <a:p>
-            <a:endParaRPr lang="en-US" sz="1000" b="0" i="0" dirty="0">
+              <a:t>As a gamer, I want the game to be set up in a transparent way so that I can compete and trust the result, win or lose. </a:t>
+            </a:r>
+          </a:p>
+          <a:p>
+            <a:pPr marL="628650" lvl="1" indent="-171450">
+              <a:buFont typeface="Arial" panose="020B0604020202020204" pitchFamily="34" charset="0"/>
+              <a:buChar char="•"/>
+            </a:pPr>
+            <a:endParaRPr lang="en-US" sz="1200" dirty="0">
               <a:solidFill>
                 <a:srgbClr val="202124"/>
               </a:solidFill>
-              <a:effectLst/>
             </a:endParaRPr>
           </a:p>
           <a:p>
-            <a:pPr marL="171450" indent="-171450">
+            <a:pPr marL="628650" lvl="1" indent="-171450">
               <a:buFont typeface="Arial" panose="020B0604020202020204" pitchFamily="34" charset="0"/>
               <a:buChar char="•"/>
             </a:pPr>
             <a:r>
-              <a:rPr lang="en-US" sz="1000" b="0" i="0" dirty="0">
+              <a:rPr lang="en-US" sz="1200" b="0" i="0" dirty="0">
                 <a:solidFill>
                   <a:srgbClr val="202124"/>
                 </a:solidFill>
                 <a:effectLst/>
               </a:rPr>
-              <a:t>Design the game play and strategy</a:t>
-            </a:r>
-          </a:p>
-          <a:p>
-            <a:pPr marL="171450" indent="-171450">
+              <a:t>As a gamer, I want to ensure that the transfer of tokens is secure so that I do not lose value. </a:t>
+            </a:r>
+          </a:p>
+          <a:p>
+            <a:pPr marL="628650" lvl="1" indent="-171450">
               <a:buFont typeface="Arial" panose="020B0604020202020204" pitchFamily="34" charset="0"/>
               <a:buChar char="•"/>
             </a:pPr>
-            <a:r>
-              <a:rPr lang="en-US" sz="1000" b="0" i="0" dirty="0">
-                <a:solidFill>
-                  <a:srgbClr val="202124"/>
-                </a:solidFill>
-                <a:effectLst/>
-              </a:rPr>
-              <a:t>Create graphics for the user interface and for the character card NFTs </a:t>
-            </a:r>
-          </a:p>
-          <a:p>
-            <a:pPr marL="171450" indent="-171450">
+            <a:endParaRPr lang="en-US" sz="1200" dirty="0">
+              <a:solidFill>
+                <a:srgbClr val="202124"/>
+              </a:solidFill>
+            </a:endParaRPr>
+          </a:p>
+          <a:p>
+            <a:pPr marL="628650" lvl="1" indent="-171450">
               <a:buFont typeface="Arial" panose="020B0604020202020204" pitchFamily="34" charset="0"/>
               <a:buChar char="•"/>
             </a:pPr>
             <a:r>
-              <a:rPr lang="en-US" sz="1000" b="0" i="0" dirty="0">
+              <a:rPr lang="en-US" sz="1200" b="0" i="0" dirty="0">
                 <a:solidFill>
                   <a:srgbClr val="202124"/>
                 </a:solidFill>
                 <a:effectLst/>
               </a:rPr>
-              <a:t>Use Solidity to develop the smart contracts that will mint new tokens and transfer tokens between wallets </a:t>
-            </a:r>
-          </a:p>
-          <a:p>
-            <a:pPr marL="171450" indent="-171450">
+              <a:t>As a game administrator, I want to ensure that the treasury component of the blockchain is accurately accounting for token transfers so that no tokens are misdirected. </a:t>
+            </a:r>
+          </a:p>
+          <a:p>
+            <a:pPr marL="628650" lvl="1" indent="-171450">
               <a:buFont typeface="Arial" panose="020B0604020202020204" pitchFamily="34" charset="0"/>
               <a:buChar char="•"/>
             </a:pPr>
-            <a:r>
-              <a:rPr lang="en-US" sz="1000" b="0" i="0" dirty="0">
-                <a:solidFill>
-                  <a:srgbClr val="202124"/>
-                </a:solidFill>
-                <a:effectLst/>
-              </a:rPr>
-              <a:t>Create the Solidity contract to manage the token treasury </a:t>
-            </a:r>
-          </a:p>
-          <a:p>
-            <a:pPr marL="171450" indent="-171450">
+            <a:endParaRPr lang="en-US" sz="1200" dirty="0">
+              <a:solidFill>
+                <a:srgbClr val="202124"/>
+              </a:solidFill>
+            </a:endParaRPr>
+          </a:p>
+          <a:p>
+            <a:pPr marL="628650" lvl="1" indent="-171450">
               <a:buFont typeface="Arial" panose="020B0604020202020204" pitchFamily="34" charset="0"/>
               <a:buChar char="•"/>
             </a:pPr>
             <a:r>
-              <a:rPr lang="en-US" sz="1000" b="0" i="0" dirty="0">
+              <a:rPr lang="en-US" sz="1200" b="0" i="0" dirty="0">
                 <a:solidFill>
                   <a:srgbClr val="202124"/>
                 </a:solidFill>
                 <a:effectLst/>
               </a:rPr>
-              <a:t>Create the code to build the NFTs </a:t>
-            </a:r>
-          </a:p>
-          <a:p>
-            <a:pPr marL="171450" indent="-171450">
+              <a:t>As a game administrator, I want to make sure that the game code is secure so that no unauthorized people can mint new tokens or steal tokens.</a:t>
+            </a:r>
+          </a:p>
+          <a:p>
+            <a:pPr marL="628650" lvl="1" indent="-171450">
               <a:buFont typeface="Arial" panose="020B0604020202020204" pitchFamily="34" charset="0"/>
               <a:buChar char="•"/>
             </a:pPr>
-            <a:r>
-              <a:rPr lang="en-US" sz="1000" b="0" i="0" dirty="0">
-                <a:solidFill>
-                  <a:srgbClr val="202124"/>
-                </a:solidFill>
-                <a:effectLst/>
-              </a:rPr>
-              <a:t>Deploy the game on the test network </a:t>
-            </a:r>
-          </a:p>
-          <a:p>
-            <a:pPr marL="171450" indent="-171450">
+            <a:endParaRPr lang="en-US" sz="1200" dirty="0">
+              <a:solidFill>
+                <a:srgbClr val="202124"/>
+              </a:solidFill>
+            </a:endParaRPr>
+          </a:p>
+          <a:p>
+            <a:pPr marL="628650" lvl="1" indent="-171450">
               <a:buFont typeface="Arial" panose="020B0604020202020204" pitchFamily="34" charset="0"/>
               <a:buChar char="•"/>
             </a:pPr>
             <a:r>
-              <a:rPr lang="en-US" sz="1000" b="0" i="0" dirty="0">
+              <a:rPr lang="en-US" sz="1200" b="0" i="0" dirty="0">
                 <a:solidFill>
                   <a:srgbClr val="202124"/>
                 </a:solidFill>
                 <a:effectLst/>
+                <a:highlight>
+                  <a:srgbClr val="FFFF00"/>
+                </a:highlight>
               </a:rPr>
-              <a:t>Link together needed programs and systems in a master plan </a:t>
-            </a:r>
-          </a:p>
-          <a:p>
-            <a:pPr marL="171450" indent="-171450">
+              <a:t>As a game designer, I want to ensure that all of the technology works together to create a seamless and easy experience for gamers.</a:t>
+            </a:r>
+          </a:p>
+          <a:p>
+            <a:pPr marL="628650" lvl="1" indent="-171450">
               <a:buFont typeface="Arial" panose="020B0604020202020204" pitchFamily="34" charset="0"/>
               <a:buChar char="•"/>
             </a:pPr>
-            <a:r>
-              <a:rPr lang="en-US" sz="1000" b="0" i="0" dirty="0">
+            <a:endParaRPr lang="en-US" sz="1200" dirty="0">
+              <a:solidFill>
+                <a:srgbClr val="202124"/>
+              </a:solidFill>
+              <a:highlight>
+                <a:srgbClr val="FFFF00"/>
+              </a:highlight>
+            </a:endParaRPr>
+          </a:p>
+          <a:p>
+            <a:pPr marL="628650" lvl="1" indent="-171450">
+              <a:buFont typeface="Arial" panose="020B0604020202020204" pitchFamily="34" charset="0"/>
+              <a:buChar char="•"/>
+            </a:pPr>
+            <a:r>
+              <a:rPr lang="en-US" sz="1200" b="0" i="0" dirty="0">
                 <a:solidFill>
                   <a:srgbClr val="202124"/>
                 </a:solidFill>
                 <a:effectLst/>
+                <a:highlight>
+                  <a:srgbClr val="FFFF00"/>
+                </a:highlight>
               </a:rPr>
-              <a:t>Test the game, security and token transfer</a:t>
-            </a:r>
-            <a:endParaRPr lang="en-US" sz="1000" dirty="0"/>
-          </a:p>
-        </p:txBody>
-      </p:sp>
-      <p:sp>
-        <p:nvSpPr>
-          <p:cNvPr id="4" name="TextBox 3">
-            <a:extLst>
-              <a:ext uri="{FF2B5EF4-FFF2-40B4-BE49-F238E27FC236}">
-                <a16:creationId xmlns:a16="http://schemas.microsoft.com/office/drawing/2014/main" id="{3520308D-843C-FE23-085E-9ED24F86E16A}"/>
-              </a:ext>
-            </a:extLst>
-          </p:cNvPr>
-          <p:cNvSpPr txBox="1"/>
-          <p:nvPr/>
-        </p:nvSpPr>
-        <p:spPr>
-          <a:xfrm>
-            <a:off x="1240972" y="4813996"/>
-            <a:ext cx="4393474" cy="1323439"/>
-          </a:xfrm>
-          <a:prstGeom prst="rect">
-            <a:avLst/>
-          </a:prstGeom>
-          <a:noFill/>
-        </p:spPr>
-        <p:txBody>
-          <a:bodyPr wrap="square" rtlCol="0">
-            <a:spAutoFit/>
-          </a:bodyPr>
-          <a:lstStyle/>
-          <a:p>
-            <a:pPr algn="ctr"/>
-            <a:r>
-              <a:rPr lang="en-US" sz="1000" b="1" dirty="0">
+              <a:t>As a game designer, I want to create a game that is fun to play and encourages gamers to return.</a:t>
+            </a:r>
+          </a:p>
+          <a:p>
+            <a:pPr marL="628650" lvl="1" indent="-171450">
+              <a:buFont typeface="Arial" panose="020B0604020202020204" pitchFamily="34" charset="0"/>
+              <a:buChar char="•"/>
+            </a:pPr>
+            <a:endParaRPr lang="en-US" sz="1200" dirty="0">
+              <a:solidFill>
+                <a:srgbClr val="202124"/>
+              </a:solidFill>
+              <a:highlight>
+                <a:srgbClr val="FFFF00"/>
+              </a:highlight>
+            </a:endParaRPr>
+          </a:p>
+          <a:p>
+            <a:pPr marL="628650" lvl="1" indent="-171450">
+              <a:buFont typeface="Arial" panose="020B0604020202020204" pitchFamily="34" charset="0"/>
+              <a:buChar char="•"/>
+            </a:pPr>
+            <a:r>
+              <a:rPr lang="en-US" sz="1200" b="0" i="0" dirty="0">
                 <a:solidFill>
                   <a:srgbClr val="202124"/>
                 </a:solidFill>
+                <a:effectLst/>
+                <a:highlight>
+                  <a:srgbClr val="FFFF00"/>
+                </a:highlight>
               </a:rPr>
-              <a:t>Responsibilities</a:t>
-            </a:r>
-          </a:p>
-          <a:p>
-            <a:r>
-              <a:rPr lang="en-US" sz="1000" b="0" i="0" dirty="0">
+              <a:t>As a game designer, I want to provide a visually stunning and fun set of graphics in the game interface and character NFTs that create a unique look and brand for the game.</a:t>
+            </a:r>
+          </a:p>
+          <a:p>
+            <a:pPr marL="628650" lvl="1" indent="-171450">
+              <a:buFont typeface="Arial" panose="020B0604020202020204" pitchFamily="34" charset="0"/>
+              <a:buChar char="•"/>
+            </a:pPr>
+            <a:endParaRPr lang="en-US" sz="1200" dirty="0">
+              <a:solidFill>
+                <a:srgbClr val="202124"/>
+              </a:solidFill>
+            </a:endParaRPr>
+          </a:p>
+          <a:p>
+            <a:pPr marL="628650" lvl="1" indent="-171450">
+              <a:buFont typeface="Arial" panose="020B0604020202020204" pitchFamily="34" charset="0"/>
+              <a:buChar char="•"/>
+            </a:pPr>
+            <a:r>
+              <a:rPr lang="en-US" sz="1200" b="0" i="0" dirty="0">
                 <a:solidFill>
                   <a:srgbClr val="202124"/>
                 </a:solidFill>
                 <a:effectLst/>
+                <a:highlight>
+                  <a:srgbClr val="FFFF00"/>
+                </a:highlight>
               </a:rPr>
-              <a:t>Game play and strategy – entire team </a:t>
-            </a:r>
-          </a:p>
-          <a:p>
-            <a:r>
-              <a:rPr lang="en-US" sz="1000" b="0" i="0" dirty="0">
+              <a:t>As a game owner, I want to charge a fee to make a profit from owning and running the game.</a:t>
+            </a:r>
+          </a:p>
+          <a:p>
+            <a:pPr marL="628650" lvl="1" indent="-171450">
+              <a:buFont typeface="Arial" panose="020B0604020202020204" pitchFamily="34" charset="0"/>
+              <a:buChar char="•"/>
+            </a:pPr>
+            <a:endParaRPr lang="en-US" sz="1200" dirty="0">
+              <a:solidFill>
+                <a:srgbClr val="202124"/>
+              </a:solidFill>
+              <a:highlight>
+                <a:srgbClr val="FFFF00"/>
+              </a:highlight>
+            </a:endParaRPr>
+          </a:p>
+          <a:p>
+            <a:pPr marL="628650" lvl="1" indent="-171450">
+              <a:buFont typeface="Arial" panose="020B0604020202020204" pitchFamily="34" charset="0"/>
+              <a:buChar char="•"/>
+            </a:pPr>
+            <a:r>
+              <a:rPr lang="en-US" sz="1200" b="0" i="0" dirty="0">
                 <a:solidFill>
                   <a:srgbClr val="202124"/>
                 </a:solidFill>
                 <a:effectLst/>
+                <a:highlight>
+                  <a:srgbClr val="FFFF00"/>
+                </a:highlight>
               </a:rPr>
-              <a:t>Graphics – Kevin Gross </a:t>
-            </a:r>
-          </a:p>
-          <a:p>
-            <a:r>
-              <a:rPr lang="en-US" sz="1000" b="0" i="0" dirty="0">
-                <a:solidFill>
-                  <a:srgbClr val="202124"/>
-                </a:solidFill>
-                <a:effectLst/>
-              </a:rPr>
-              <a:t>Solidity smart contracts – Jacob Burnett and Ann Howell </a:t>
-            </a:r>
-          </a:p>
-          <a:p>
-            <a:r>
-              <a:rPr lang="en-US" sz="1000" b="0" i="0" dirty="0">
-                <a:solidFill>
-                  <a:srgbClr val="202124"/>
-                </a:solidFill>
-                <a:effectLst/>
-              </a:rPr>
-              <a:t>NFT coding – Charles Brown </a:t>
-            </a:r>
-          </a:p>
-          <a:p>
-            <a:r>
-              <a:rPr lang="en-US" sz="1000" b="0" i="0" dirty="0">
-                <a:solidFill>
-                  <a:srgbClr val="202124"/>
-                </a:solidFill>
-                <a:effectLst/>
-              </a:rPr>
-              <a:t>Linking together systems in master plan – Charles Brown </a:t>
-            </a:r>
-          </a:p>
-          <a:p>
-            <a:r>
-              <a:rPr lang="en-US" sz="1000" b="0" i="0" dirty="0">
-                <a:solidFill>
-                  <a:srgbClr val="202124"/>
-                </a:solidFill>
-                <a:effectLst/>
-              </a:rPr>
-              <a:t>README and PPT presentation - Ann Howell </a:t>
-            </a:r>
-            <a:br>
-              <a:rPr lang="en-US" sz="1000" dirty="0"/>
-            </a:br>
-            <a:endParaRPr lang="en-US" sz="1000" dirty="0"/>
+              <a:t>As a game owner, I want to market the game and create a strong community of passionate users who continue to play the game over time.</a:t>
+            </a:r>
           </a:p>
         </p:txBody>
       </p:sp>
     </p:spTree>
     <p:extLst>
       <p:ext uri="{BB962C8B-B14F-4D97-AF65-F5344CB8AC3E}">
-        <p14:creationId xmlns:p14="http://schemas.microsoft.com/office/powerpoint/2010/main" val="1181379338"/>
+        <p14:creationId xmlns:p14="http://schemas.microsoft.com/office/powerpoint/2010/main" val="3352080701"/>
       </p:ext>
     </p:extLst>
   </p:cSld>
@@ -4514,7 +4053,7 @@
           <p:cNvPr id="2" name="TextBox 1">
             <a:extLst>
               <a:ext uri="{FF2B5EF4-FFF2-40B4-BE49-F238E27FC236}">
-                <a16:creationId xmlns:a16="http://schemas.microsoft.com/office/drawing/2014/main" id="{38870F69-5EB9-240C-26E0-C97B2B63EB4E}"/>
+                <a16:creationId xmlns:a16="http://schemas.microsoft.com/office/drawing/2014/main" id="{8C46D993-3F88-8E35-298C-E59D82DE74D4}"/>
               </a:ext>
             </a:extLst>
           </p:cNvPr>
@@ -4523,8 +4062,8 @@
         </p:nvSpPr>
         <p:spPr>
           <a:xfrm>
-            <a:off x="3091542" y="1625879"/>
-            <a:ext cx="5268686" cy="369332"/>
+            <a:off x="476668" y="89624"/>
+            <a:ext cx="6246349" cy="3385542"/>
           </a:xfrm>
           <a:prstGeom prst="rect">
             <a:avLst/>
@@ -4537,13 +4076,114 @@
           </a:bodyPr>
           <a:lstStyle/>
           <a:p>
-            <a:r>
-              <a:rPr lang="en-US" dirty="0" err="1"/>
-              <a:t>DigitalOcean</a:t>
-            </a:r>
-            <a:r>
-              <a:rPr lang="en-US" dirty="0"/>
-              <a:t> as a cloud computing host</a:t>
+            <a:endParaRPr lang="en-US" sz="1400" dirty="0">
+              <a:solidFill>
+                <a:srgbClr val="202124"/>
+              </a:solidFill>
+            </a:endParaRPr>
+          </a:p>
+          <a:p>
+            <a:pPr algn="ctr"/>
+            <a:endParaRPr lang="en-US" sz="1400" dirty="0">
+              <a:solidFill>
+                <a:srgbClr val="202124"/>
+              </a:solidFill>
+            </a:endParaRPr>
+          </a:p>
+          <a:p>
+            <a:pPr algn="ctr"/>
+            <a:r>
+              <a:rPr lang="en-US" sz="1600" b="1" i="0" dirty="0">
+                <a:solidFill>
+                  <a:srgbClr val="202124"/>
+                </a:solidFill>
+                <a:effectLst/>
+              </a:rPr>
+              <a:t>Acceptance Criteria</a:t>
+            </a:r>
+          </a:p>
+          <a:p>
+            <a:pPr algn="l"/>
+            <a:endParaRPr lang="en-US" sz="1600" b="1" i="0" dirty="0">
+              <a:solidFill>
+                <a:srgbClr val="202124"/>
+              </a:solidFill>
+              <a:effectLst/>
+            </a:endParaRPr>
+          </a:p>
+          <a:p>
+            <a:pPr marL="628650" lvl="1" indent="-171450">
+              <a:buFont typeface="Arial" panose="020B0604020202020204" pitchFamily="34" charset="0"/>
+              <a:buChar char="•"/>
+            </a:pPr>
+            <a:r>
+              <a:rPr lang="en-US" sz="1400" b="0" i="0" dirty="0">
+                <a:solidFill>
+                  <a:srgbClr val="202124"/>
+                </a:solidFill>
+                <a:effectLst/>
+              </a:rPr>
+              <a:t>The game must have an enticing story, theme, and user interface in order to attract players. </a:t>
+            </a:r>
+          </a:p>
+          <a:p>
+            <a:pPr marL="628650" lvl="1" indent="-171450">
+              <a:buFont typeface="Arial" panose="020B0604020202020204" pitchFamily="34" charset="0"/>
+              <a:buChar char="•"/>
+            </a:pPr>
+            <a:r>
+              <a:rPr lang="en-US" sz="1400" b="0" i="0" dirty="0">
+                <a:solidFill>
+                  <a:srgbClr val="202124"/>
+                </a:solidFill>
+                <a:effectLst/>
+              </a:rPr>
+              <a:t>The game must provide gameplay that offers reasonable challenge and rewards in order to keep players coming back. </a:t>
+            </a:r>
+          </a:p>
+          <a:p>
+            <a:pPr marL="628650" lvl="1" indent="-171450">
+              <a:buFont typeface="Arial" panose="020B0604020202020204" pitchFamily="34" charset="0"/>
+              <a:buChar char="•"/>
+            </a:pPr>
+            <a:r>
+              <a:rPr lang="en-US" sz="1400" b="0" i="0" dirty="0">
+                <a:solidFill>
+                  <a:srgbClr val="202124"/>
+                </a:solidFill>
+                <a:effectLst/>
+              </a:rPr>
+              <a:t>The game must produce a token and NFTs that are designed with appropriate standards so that they could be publicly traded in a future release. </a:t>
+            </a:r>
+          </a:p>
+          <a:p>
+            <a:pPr marL="628650" lvl="1" indent="-171450">
+              <a:buFont typeface="Arial" panose="020B0604020202020204" pitchFamily="34" charset="0"/>
+              <a:buChar char="•"/>
+            </a:pPr>
+            <a:r>
+              <a:rPr lang="en-US" sz="1400" b="0" i="0" dirty="0">
+                <a:solidFill>
+                  <a:srgbClr val="202124"/>
+                </a:solidFill>
+                <a:effectLst/>
+              </a:rPr>
+              <a:t>The game must have security for the data storage, minting of tokens, and transfer of tokens according to Ethereum blockchain standards. </a:t>
+            </a:r>
+          </a:p>
+          <a:p>
+            <a:pPr marL="628650" lvl="1" indent="-171450">
+              <a:buFont typeface="Arial" panose="020B0604020202020204" pitchFamily="34" charset="0"/>
+              <a:buChar char="•"/>
+            </a:pPr>
+            <a:r>
+              <a:rPr lang="en-US" sz="1400" b="0" i="0" dirty="0">
+                <a:solidFill>
+                  <a:srgbClr val="202124"/>
+                </a:solidFill>
+                <a:effectLst/>
+              </a:rPr>
+              <a:t>The game must function properly to allow game play and token transfers while being gas efficient. </a:t>
             </a:r>
           </a:p>
         </p:txBody>
@@ -4553,7 +4193,7 @@
           <p:cNvPr id="3" name="TextBox 2">
             <a:extLst>
               <a:ext uri="{FF2B5EF4-FFF2-40B4-BE49-F238E27FC236}">
-                <a16:creationId xmlns:a16="http://schemas.microsoft.com/office/drawing/2014/main" id="{EAFEB182-FE5E-5B22-9B5D-85317D48FC85}"/>
+                <a16:creationId xmlns:a16="http://schemas.microsoft.com/office/drawing/2014/main" id="{53D0F2CC-500A-AF28-FA05-892F55D2E6DD}"/>
               </a:ext>
             </a:extLst>
           </p:cNvPr>
@@ -4562,8 +4202,8 @@
         </p:nvSpPr>
         <p:spPr>
           <a:xfrm>
-            <a:off x="4789714" y="496389"/>
-            <a:ext cx="2194575" cy="369332"/>
+            <a:off x="6853646" y="4020851"/>
+            <a:ext cx="5338354" cy="2492990"/>
           </a:xfrm>
           <a:prstGeom prst="rect">
             <a:avLst/>
@@ -4571,94 +4211,168 @@
           <a:noFill/>
         </p:spPr>
         <p:txBody>
-          <a:bodyPr wrap="none" rtlCol="0">
+          <a:bodyPr wrap="square" rtlCol="0">
             <a:spAutoFit/>
           </a:bodyPr>
           <a:lstStyle/>
           <a:p>
-            <a:r>
-              <a:rPr lang="en-US" dirty="0"/>
-              <a:t>Technology Platforms</a:t>
-            </a:r>
-          </a:p>
-        </p:txBody>
-      </p:sp>
-      <p:pic>
-        <p:nvPicPr>
-          <p:cNvPr id="5" name="Picture 4">
-            <a:extLst>
-              <a:ext uri="{FF2B5EF4-FFF2-40B4-BE49-F238E27FC236}">
-                <a16:creationId xmlns:a16="http://schemas.microsoft.com/office/drawing/2014/main" id="{F26B8ED1-6C08-E715-DD25-E20557D12EE3}"/>
-              </a:ext>
-            </a:extLst>
-          </p:cNvPr>
-          <p:cNvPicPr>
-            <a:picLocks noChangeAspect="1"/>
-          </p:cNvPicPr>
+            <a:pPr algn="ctr"/>
+            <a:r>
+              <a:rPr lang="en-US" sz="1600" b="1" dirty="0">
+                <a:solidFill>
+                  <a:srgbClr val="202124"/>
+                </a:solidFill>
+              </a:rPr>
+              <a:t>Tasks</a:t>
+            </a:r>
+          </a:p>
+          <a:p>
+            <a:endParaRPr lang="en-US" sz="1400" b="0" i="0" dirty="0">
+              <a:solidFill>
+                <a:srgbClr val="202124"/>
+              </a:solidFill>
+              <a:effectLst/>
+            </a:endParaRPr>
+          </a:p>
+          <a:p>
+            <a:pPr marL="171450" indent="-171450">
+              <a:buFont typeface="Arial" panose="020B0604020202020204" pitchFamily="34" charset="0"/>
+              <a:buChar char="•"/>
+            </a:pPr>
+            <a:r>
+              <a:rPr lang="en-US" sz="1400" b="0" i="0" dirty="0">
+                <a:solidFill>
+                  <a:srgbClr val="202124"/>
+                </a:solidFill>
+                <a:effectLst/>
+              </a:rPr>
+              <a:t>Design the game play and strategy</a:t>
+            </a:r>
+          </a:p>
+          <a:p>
+            <a:pPr marL="171450" indent="-171450">
+              <a:buFont typeface="Arial" panose="020B0604020202020204" pitchFamily="34" charset="0"/>
+              <a:buChar char="•"/>
+            </a:pPr>
+            <a:r>
+              <a:rPr lang="en-US" sz="1400" b="0" i="0" dirty="0">
+                <a:solidFill>
+                  <a:srgbClr val="202124"/>
+                </a:solidFill>
+                <a:effectLst/>
+              </a:rPr>
+              <a:t>Create graphics for the user interface and for the character card NFTs </a:t>
+            </a:r>
+          </a:p>
+          <a:p>
+            <a:pPr marL="171450" indent="-171450">
+              <a:buFont typeface="Arial" panose="020B0604020202020204" pitchFamily="34" charset="0"/>
+              <a:buChar char="•"/>
+            </a:pPr>
+            <a:r>
+              <a:rPr lang="en-US" sz="1400" b="0" i="0" dirty="0">
+                <a:solidFill>
+                  <a:srgbClr val="202124"/>
+                </a:solidFill>
+                <a:effectLst/>
+              </a:rPr>
+              <a:t>Use Solidity to develop the smart contracts that will mint new tokens and transfer tokens between wallets </a:t>
+            </a:r>
+          </a:p>
+          <a:p>
+            <a:pPr marL="171450" indent="-171450">
+              <a:buFont typeface="Arial" panose="020B0604020202020204" pitchFamily="34" charset="0"/>
+              <a:buChar char="•"/>
+            </a:pPr>
+            <a:r>
+              <a:rPr lang="en-US" sz="1400" b="0" i="0" dirty="0">
+                <a:solidFill>
+                  <a:srgbClr val="202124"/>
+                </a:solidFill>
+                <a:effectLst/>
+              </a:rPr>
+              <a:t>Create the Solidity contract to manage the token treasury </a:t>
+            </a:r>
+          </a:p>
+          <a:p>
+            <a:pPr marL="171450" indent="-171450">
+              <a:buFont typeface="Arial" panose="020B0604020202020204" pitchFamily="34" charset="0"/>
+              <a:buChar char="•"/>
+            </a:pPr>
+            <a:r>
+              <a:rPr lang="en-US" sz="1400" b="0" i="0" dirty="0">
+                <a:solidFill>
+                  <a:srgbClr val="202124"/>
+                </a:solidFill>
+                <a:effectLst/>
+              </a:rPr>
+              <a:t>Create the code to build the NFTs </a:t>
+            </a:r>
+          </a:p>
+          <a:p>
+            <a:pPr marL="171450" indent="-171450">
+              <a:buFont typeface="Arial" panose="020B0604020202020204" pitchFamily="34" charset="0"/>
+              <a:buChar char="•"/>
+            </a:pPr>
+            <a:r>
+              <a:rPr lang="en-US" sz="1400" b="0" i="0" dirty="0">
+                <a:solidFill>
+                  <a:srgbClr val="202124"/>
+                </a:solidFill>
+                <a:effectLst/>
+              </a:rPr>
+              <a:t>Deploy the game on the test network </a:t>
+            </a:r>
+          </a:p>
+          <a:p>
+            <a:pPr marL="171450" indent="-171450">
+              <a:buFont typeface="Arial" panose="020B0604020202020204" pitchFamily="34" charset="0"/>
+              <a:buChar char="•"/>
+            </a:pPr>
+            <a:r>
+              <a:rPr lang="en-US" sz="1400" b="0" i="0" dirty="0">
+                <a:solidFill>
+                  <a:srgbClr val="202124"/>
+                </a:solidFill>
+                <a:effectLst/>
+              </a:rPr>
+              <a:t>Link together needed programs and systems in a master plan </a:t>
+            </a:r>
+          </a:p>
+          <a:p>
+            <a:pPr marL="171450" indent="-171450">
+              <a:buFont typeface="Arial" panose="020B0604020202020204" pitchFamily="34" charset="0"/>
+              <a:buChar char="•"/>
+            </a:pPr>
+            <a:r>
+              <a:rPr lang="en-US" sz="1400" b="0" i="0" dirty="0">
+                <a:solidFill>
+                  <a:srgbClr val="202124"/>
+                </a:solidFill>
+                <a:effectLst/>
+              </a:rPr>
+              <a:t>Test the game, security and token transfer</a:t>
+            </a:r>
+            <a:endParaRPr lang="en-US" sz="1400" dirty="0"/>
+          </a:p>
+        </p:txBody>
+      </p:sp>
+      <p:sp>
+        <p:nvSpPr>
+          <p:cNvPr id="4" name="TextBox 3">
+            <a:extLst>
+              <a:ext uri="{FF2B5EF4-FFF2-40B4-BE49-F238E27FC236}">
+                <a16:creationId xmlns:a16="http://schemas.microsoft.com/office/drawing/2014/main" id="{3520308D-843C-FE23-085E-9ED24F86E16A}"/>
+              </a:ext>
+            </a:extLst>
+          </p:cNvPr>
+          <p:cNvSpPr txBox="1"/>
           <p:nvPr/>
-        </p:nvPicPr>
-        <p:blipFill>
-          <a:blip r:embed="rId2"/>
-          <a:stretch>
-            <a:fillRect/>
-          </a:stretch>
-        </p:blipFill>
+        </p:nvSpPr>
         <p:spPr>
           <a:xfrm>
-            <a:off x="2163485" y="1672046"/>
-            <a:ext cx="724001" cy="571580"/>
-          </a:xfrm>
-          <a:prstGeom prst="rect">
-            <a:avLst/>
-          </a:prstGeom>
-        </p:spPr>
-      </p:pic>
-      <p:pic>
-        <p:nvPicPr>
-          <p:cNvPr id="7" name="Picture 6">
-            <a:extLst>
-              <a:ext uri="{FF2B5EF4-FFF2-40B4-BE49-F238E27FC236}">
-                <a16:creationId xmlns:a16="http://schemas.microsoft.com/office/drawing/2014/main" id="{57E667C7-BCBC-3D96-A2E8-865CCE9803CD}"/>
-              </a:ext>
-            </a:extLst>
-          </p:cNvPr>
-          <p:cNvPicPr>
-            <a:picLocks noChangeAspect="1"/>
-          </p:cNvPicPr>
-          <p:nvPr/>
-        </p:nvPicPr>
-        <p:blipFill>
-          <a:blip r:embed="rId3"/>
-          <a:stretch>
-            <a:fillRect/>
-          </a:stretch>
-        </p:blipFill>
-        <p:spPr>
-          <a:xfrm>
-            <a:off x="2163485" y="2746232"/>
-            <a:ext cx="878031" cy="822105"/>
-          </a:xfrm>
-          <a:prstGeom prst="rect">
-            <a:avLst/>
-          </a:prstGeom>
-        </p:spPr>
-      </p:pic>
-      <p:sp>
-        <p:nvSpPr>
-          <p:cNvPr id="8" name="TextBox 7">
-            <a:extLst>
-              <a:ext uri="{FF2B5EF4-FFF2-40B4-BE49-F238E27FC236}">
-                <a16:creationId xmlns:a16="http://schemas.microsoft.com/office/drawing/2014/main" id="{73D07954-57C0-F6F9-7A5B-4F0F46F9421D}"/>
-              </a:ext>
-            </a:extLst>
-          </p:cNvPr>
-          <p:cNvSpPr txBox="1"/>
-          <p:nvPr/>
-        </p:nvSpPr>
-        <p:spPr>
-          <a:xfrm>
-            <a:off x="3161210" y="2972618"/>
-            <a:ext cx="5268686" cy="369332"/>
+            <a:off x="1240972" y="4813996"/>
+            <a:ext cx="4393474" cy="1323439"/>
           </a:xfrm>
           <a:prstGeom prst="rect">
             <a:avLst/>
@@ -4671,289 +4385,92 @@
           </a:bodyPr>
           <a:lstStyle/>
           <a:p>
-            <a:r>
-              <a:rPr lang="en-US" dirty="0"/>
-              <a:t>Remix IDE with Solidity</a:t>
-            </a:r>
-          </a:p>
-        </p:txBody>
-      </p:sp>
-      <p:pic>
-        <p:nvPicPr>
-          <p:cNvPr id="10" name="Picture 9">
-            <a:extLst>
-              <a:ext uri="{FF2B5EF4-FFF2-40B4-BE49-F238E27FC236}">
-                <a16:creationId xmlns:a16="http://schemas.microsoft.com/office/drawing/2014/main" id="{BE52A9DF-A205-0863-8124-989EC8C8C586}"/>
-              </a:ext>
-            </a:extLst>
-          </p:cNvPr>
-          <p:cNvPicPr>
-            <a:picLocks noChangeAspect="1"/>
-          </p:cNvPicPr>
-          <p:nvPr/>
-        </p:nvPicPr>
-        <p:blipFill>
-          <a:blip r:embed="rId4"/>
-          <a:stretch>
-            <a:fillRect/>
-          </a:stretch>
-        </p:blipFill>
-        <p:spPr>
-          <a:xfrm>
-            <a:off x="2263511" y="4242944"/>
-            <a:ext cx="523948" cy="514422"/>
-          </a:xfrm>
-          <a:prstGeom prst="rect">
-            <a:avLst/>
-          </a:prstGeom>
-        </p:spPr>
-      </p:pic>
-      <p:sp>
-        <p:nvSpPr>
-          <p:cNvPr id="11" name="TextBox 10">
-            <a:extLst>
-              <a:ext uri="{FF2B5EF4-FFF2-40B4-BE49-F238E27FC236}">
-                <a16:creationId xmlns:a16="http://schemas.microsoft.com/office/drawing/2014/main" id="{2A70D123-6EB6-3116-61B4-DA020AA4643C}"/>
-              </a:ext>
-            </a:extLst>
-          </p:cNvPr>
-          <p:cNvSpPr txBox="1"/>
-          <p:nvPr/>
-        </p:nvSpPr>
-        <p:spPr>
-          <a:xfrm>
-            <a:off x="3041516" y="4315489"/>
-            <a:ext cx="5268686" cy="369332"/>
-          </a:xfrm>
-          <a:prstGeom prst="rect">
-            <a:avLst/>
-          </a:prstGeom>
-          <a:noFill/>
-        </p:spPr>
-        <p:txBody>
-          <a:bodyPr wrap="square" rtlCol="0">
-            <a:spAutoFit/>
-          </a:bodyPr>
-          <a:lstStyle/>
-          <a:p>
-            <a:r>
-              <a:rPr lang="en-US" dirty="0" err="1"/>
-              <a:t>Metamask</a:t>
-            </a:r>
-            <a:r>
-              <a:rPr lang="en-US" dirty="0"/>
-              <a:t> to manage wallets</a:t>
-            </a:r>
-          </a:p>
-        </p:txBody>
-      </p:sp>
-      <p:pic>
-        <p:nvPicPr>
-          <p:cNvPr id="13" name="Picture 12">
-            <a:extLst>
-              <a:ext uri="{FF2B5EF4-FFF2-40B4-BE49-F238E27FC236}">
-                <a16:creationId xmlns:a16="http://schemas.microsoft.com/office/drawing/2014/main" id="{A67DE509-815B-FC1B-42DF-2103ADDA71C8}"/>
-              </a:ext>
-            </a:extLst>
-          </p:cNvPr>
-          <p:cNvPicPr>
-            <a:picLocks noChangeAspect="1"/>
-          </p:cNvPicPr>
-          <p:nvPr/>
-        </p:nvPicPr>
-        <p:blipFill>
-          <a:blip r:embed="rId5"/>
-          <a:stretch>
-            <a:fillRect/>
-          </a:stretch>
-        </p:blipFill>
-        <p:spPr>
-          <a:xfrm>
-            <a:off x="2050589" y="5185954"/>
-            <a:ext cx="949792" cy="1198849"/>
-          </a:xfrm>
-          <a:prstGeom prst="rect">
-            <a:avLst/>
-          </a:prstGeom>
-        </p:spPr>
-      </p:pic>
-      <p:sp>
-        <p:nvSpPr>
-          <p:cNvPr id="14" name="TextBox 13">
-            <a:extLst>
-              <a:ext uri="{FF2B5EF4-FFF2-40B4-BE49-F238E27FC236}">
-                <a16:creationId xmlns:a16="http://schemas.microsoft.com/office/drawing/2014/main" id="{898050E5-F176-AAA8-E84B-FF534C6670C9}"/>
-              </a:ext>
-            </a:extLst>
-          </p:cNvPr>
-          <p:cNvSpPr txBox="1"/>
-          <p:nvPr/>
-        </p:nvSpPr>
-        <p:spPr>
-          <a:xfrm>
-            <a:off x="3091542" y="5599886"/>
-            <a:ext cx="5268686" cy="369332"/>
-          </a:xfrm>
-          <a:prstGeom prst="rect">
-            <a:avLst/>
-          </a:prstGeom>
-          <a:noFill/>
-        </p:spPr>
-        <p:txBody>
-          <a:bodyPr wrap="square" rtlCol="0">
-            <a:spAutoFit/>
-          </a:bodyPr>
-          <a:lstStyle/>
-          <a:p>
-            <a:r>
-              <a:rPr lang="en-US" dirty="0"/>
-              <a:t>Ganache Truffle Suite to provide test wallet accounts</a:t>
-            </a:r>
-          </a:p>
-        </p:txBody>
-      </p:sp>
-      <p:pic>
-        <p:nvPicPr>
-          <p:cNvPr id="16" name="Picture 15">
-            <a:extLst>
-              <a:ext uri="{FF2B5EF4-FFF2-40B4-BE49-F238E27FC236}">
-                <a16:creationId xmlns:a16="http://schemas.microsoft.com/office/drawing/2014/main" id="{04D5812E-CDEE-B1E1-80A2-B3F48B08DA82}"/>
-              </a:ext>
-            </a:extLst>
-          </p:cNvPr>
-          <p:cNvPicPr>
-            <a:picLocks noChangeAspect="1"/>
-          </p:cNvPicPr>
-          <p:nvPr/>
-        </p:nvPicPr>
-        <p:blipFill>
-          <a:blip r:embed="rId6"/>
-          <a:stretch>
-            <a:fillRect/>
-          </a:stretch>
-        </p:blipFill>
-        <p:spPr>
-          <a:xfrm>
-            <a:off x="8826942" y="2049459"/>
-            <a:ext cx="1046252" cy="1085627"/>
-          </a:xfrm>
-          <a:prstGeom prst="rect">
-            <a:avLst/>
-          </a:prstGeom>
-        </p:spPr>
-      </p:pic>
-      <p:sp>
-        <p:nvSpPr>
-          <p:cNvPr id="17" name="TextBox 16">
-            <a:extLst>
-              <a:ext uri="{FF2B5EF4-FFF2-40B4-BE49-F238E27FC236}">
-                <a16:creationId xmlns:a16="http://schemas.microsoft.com/office/drawing/2014/main" id="{ADC42760-2F08-E2E0-5B87-1A4A63502C03}"/>
-              </a:ext>
-            </a:extLst>
-          </p:cNvPr>
-          <p:cNvSpPr txBox="1"/>
-          <p:nvPr/>
-        </p:nvSpPr>
-        <p:spPr>
-          <a:xfrm>
-            <a:off x="8826942" y="3244334"/>
-            <a:ext cx="2072640" cy="369332"/>
-          </a:xfrm>
-          <a:prstGeom prst="rect">
-            <a:avLst/>
-          </a:prstGeom>
-          <a:noFill/>
-        </p:spPr>
-        <p:txBody>
-          <a:bodyPr wrap="square" rtlCol="0">
-            <a:spAutoFit/>
-          </a:bodyPr>
-          <a:lstStyle/>
-          <a:p>
-            <a:r>
-              <a:rPr lang="en-US" dirty="0"/>
-              <a:t>Visual Studio Code</a:t>
-            </a:r>
-          </a:p>
-        </p:txBody>
-      </p:sp>
-      <p:pic>
-        <p:nvPicPr>
-          <p:cNvPr id="6" name="Picture 5">
-            <a:extLst>
-              <a:ext uri="{FF2B5EF4-FFF2-40B4-BE49-F238E27FC236}">
-                <a16:creationId xmlns:a16="http://schemas.microsoft.com/office/drawing/2014/main" id="{07F2437E-88E7-CBD3-A477-1C97CBEB84C6}"/>
-              </a:ext>
-            </a:extLst>
-          </p:cNvPr>
-          <p:cNvPicPr>
-            <a:picLocks noChangeAspect="1"/>
-          </p:cNvPicPr>
-          <p:nvPr/>
-        </p:nvPicPr>
-        <p:blipFill>
-          <a:blip r:embed="rId7"/>
-          <a:stretch>
-            <a:fillRect/>
-          </a:stretch>
-        </p:blipFill>
-        <p:spPr>
-          <a:xfrm>
-            <a:off x="8642435" y="4260899"/>
-            <a:ext cx="1286054" cy="847843"/>
-          </a:xfrm>
-          <a:prstGeom prst="rect">
-            <a:avLst/>
-          </a:prstGeom>
-        </p:spPr>
-      </p:pic>
-      <p:sp>
-        <p:nvSpPr>
-          <p:cNvPr id="15" name="TextBox 14">
-            <a:extLst>
-              <a:ext uri="{FF2B5EF4-FFF2-40B4-BE49-F238E27FC236}">
-                <a16:creationId xmlns:a16="http://schemas.microsoft.com/office/drawing/2014/main" id="{CDF414B8-3795-3B54-A792-9A04290A68B1}"/>
-              </a:ext>
-            </a:extLst>
-          </p:cNvPr>
-          <p:cNvSpPr txBox="1"/>
-          <p:nvPr/>
-        </p:nvSpPr>
-        <p:spPr>
-          <a:xfrm>
-            <a:off x="10008042" y="4500154"/>
-            <a:ext cx="2072640" cy="646331"/>
-          </a:xfrm>
-          <a:prstGeom prst="rect">
-            <a:avLst/>
-          </a:prstGeom>
-          <a:noFill/>
-        </p:spPr>
-        <p:txBody>
-          <a:bodyPr wrap="square" rtlCol="0">
-            <a:spAutoFit/>
-          </a:bodyPr>
-          <a:lstStyle/>
-          <a:p>
-            <a:r>
-              <a:rPr lang="en-US" dirty="0"/>
-              <a:t>React </a:t>
-            </a:r>
-            <a:r>
-              <a:rPr lang="en-US" dirty="0" err="1"/>
-              <a:t>Javascript</a:t>
-            </a:r>
-            <a:r>
-              <a:rPr lang="en-US" dirty="0"/>
-              <a:t> library</a:t>
-            </a:r>
+            <a:pPr algn="ctr"/>
+            <a:r>
+              <a:rPr lang="en-US" sz="1000" b="1" dirty="0">
+                <a:solidFill>
+                  <a:srgbClr val="202124"/>
+                </a:solidFill>
+              </a:rPr>
+              <a:t>Responsibilities</a:t>
+            </a:r>
+          </a:p>
+          <a:p>
+            <a:r>
+              <a:rPr lang="en-US" sz="1000" b="0" i="0" dirty="0">
+                <a:solidFill>
+                  <a:srgbClr val="202124"/>
+                </a:solidFill>
+                <a:effectLst/>
+              </a:rPr>
+              <a:t>Game play and strategy – entire team </a:t>
+            </a:r>
+          </a:p>
+          <a:p>
+            <a:r>
+              <a:rPr lang="en-US" sz="1000" b="0" i="0" dirty="0">
+                <a:solidFill>
+                  <a:srgbClr val="202124"/>
+                </a:solidFill>
+                <a:effectLst/>
+              </a:rPr>
+              <a:t>Graphics – Kevin Gross </a:t>
+            </a:r>
+          </a:p>
+          <a:p>
+            <a:r>
+              <a:rPr lang="en-US" sz="1000" b="0" i="0" dirty="0">
+                <a:solidFill>
+                  <a:srgbClr val="202124"/>
+                </a:solidFill>
+                <a:effectLst/>
+              </a:rPr>
+              <a:t>Solidity smart contracts – Jacob Burnett and Ann Howell </a:t>
+            </a:r>
+          </a:p>
+          <a:p>
+            <a:r>
+              <a:rPr lang="en-US" sz="1000" b="0" i="0" dirty="0">
+                <a:solidFill>
+                  <a:srgbClr val="202124"/>
+                </a:solidFill>
+                <a:effectLst/>
+              </a:rPr>
+              <a:t>NFT coding – Charles Brown </a:t>
+            </a:r>
+          </a:p>
+          <a:p>
+            <a:r>
+              <a:rPr lang="en-US" sz="1000" b="0" i="0" dirty="0">
+                <a:solidFill>
+                  <a:srgbClr val="202124"/>
+                </a:solidFill>
+                <a:effectLst/>
+              </a:rPr>
+              <a:t>Linking together systems in master plan – Charles Brown </a:t>
+            </a:r>
+          </a:p>
+          <a:p>
+            <a:r>
+              <a:rPr lang="en-US" sz="1000" b="0" i="0" dirty="0">
+                <a:solidFill>
+                  <a:srgbClr val="202124"/>
+                </a:solidFill>
+                <a:effectLst/>
+              </a:rPr>
+              <a:t>README and PPT presentation - Ann Howell </a:t>
+            </a:r>
+            <a:br>
+              <a:rPr lang="en-US" sz="1000" dirty="0"/>
+            </a:br>
+            <a:endParaRPr lang="en-US" sz="1000" dirty="0"/>
           </a:p>
         </p:txBody>
       </p:sp>
     </p:spTree>
     <p:extLst>
       <p:ext uri="{BB962C8B-B14F-4D97-AF65-F5344CB8AC3E}">
-        <p14:creationId xmlns:p14="http://schemas.microsoft.com/office/powerpoint/2010/main" val="1829096159"/>
+        <p14:creationId xmlns:p14="http://schemas.microsoft.com/office/powerpoint/2010/main" val="1181379338"/>
       </p:ext>
     </p:extLst>
   </p:cSld>
@@ -4985,6 +4502,477 @@
           <p:cNvPr id="2" name="TextBox 1">
             <a:extLst>
               <a:ext uri="{FF2B5EF4-FFF2-40B4-BE49-F238E27FC236}">
+                <a16:creationId xmlns:a16="http://schemas.microsoft.com/office/drawing/2014/main" id="{38870F69-5EB9-240C-26E0-C97B2B63EB4E}"/>
+              </a:ext>
+            </a:extLst>
+          </p:cNvPr>
+          <p:cNvSpPr txBox="1"/>
+          <p:nvPr/>
+        </p:nvSpPr>
+        <p:spPr>
+          <a:xfrm>
+            <a:off x="3091542" y="1625879"/>
+            <a:ext cx="5268686" cy="369332"/>
+          </a:xfrm>
+          <a:prstGeom prst="rect">
+            <a:avLst/>
+          </a:prstGeom>
+          <a:noFill/>
+        </p:spPr>
+        <p:txBody>
+          <a:bodyPr wrap="square" rtlCol="0">
+            <a:spAutoFit/>
+          </a:bodyPr>
+          <a:lstStyle/>
+          <a:p>
+            <a:r>
+              <a:rPr lang="en-US" dirty="0" err="1"/>
+              <a:t>DigitalOcean</a:t>
+            </a:r>
+            <a:r>
+              <a:rPr lang="en-US" dirty="0"/>
+              <a:t> as a cloud computing host</a:t>
+            </a:r>
+          </a:p>
+        </p:txBody>
+      </p:sp>
+      <p:sp>
+        <p:nvSpPr>
+          <p:cNvPr id="3" name="TextBox 2">
+            <a:extLst>
+              <a:ext uri="{FF2B5EF4-FFF2-40B4-BE49-F238E27FC236}">
+                <a16:creationId xmlns:a16="http://schemas.microsoft.com/office/drawing/2014/main" id="{EAFEB182-FE5E-5B22-9B5D-85317D48FC85}"/>
+              </a:ext>
+            </a:extLst>
+          </p:cNvPr>
+          <p:cNvSpPr txBox="1"/>
+          <p:nvPr/>
+        </p:nvSpPr>
+        <p:spPr>
+          <a:xfrm>
+            <a:off x="4789714" y="496389"/>
+            <a:ext cx="2194575" cy="369332"/>
+          </a:xfrm>
+          <a:prstGeom prst="rect">
+            <a:avLst/>
+          </a:prstGeom>
+          <a:noFill/>
+        </p:spPr>
+        <p:txBody>
+          <a:bodyPr wrap="none" rtlCol="0">
+            <a:spAutoFit/>
+          </a:bodyPr>
+          <a:lstStyle/>
+          <a:p>
+            <a:r>
+              <a:rPr lang="en-US" dirty="0"/>
+              <a:t>Technology Platforms</a:t>
+            </a:r>
+          </a:p>
+        </p:txBody>
+      </p:sp>
+      <p:pic>
+        <p:nvPicPr>
+          <p:cNvPr id="5" name="Picture 4">
+            <a:extLst>
+              <a:ext uri="{FF2B5EF4-FFF2-40B4-BE49-F238E27FC236}">
+                <a16:creationId xmlns:a16="http://schemas.microsoft.com/office/drawing/2014/main" id="{F26B8ED1-6C08-E715-DD25-E20557D12EE3}"/>
+              </a:ext>
+            </a:extLst>
+          </p:cNvPr>
+          <p:cNvPicPr>
+            <a:picLocks noChangeAspect="1"/>
+          </p:cNvPicPr>
+          <p:nvPr/>
+        </p:nvPicPr>
+        <p:blipFill>
+          <a:blip r:embed="rId2"/>
+          <a:stretch>
+            <a:fillRect/>
+          </a:stretch>
+        </p:blipFill>
+        <p:spPr>
+          <a:xfrm>
+            <a:off x="2163485" y="1672046"/>
+            <a:ext cx="724001" cy="571580"/>
+          </a:xfrm>
+          <a:prstGeom prst="rect">
+            <a:avLst/>
+          </a:prstGeom>
+        </p:spPr>
+      </p:pic>
+      <p:pic>
+        <p:nvPicPr>
+          <p:cNvPr id="7" name="Picture 6">
+            <a:extLst>
+              <a:ext uri="{FF2B5EF4-FFF2-40B4-BE49-F238E27FC236}">
+                <a16:creationId xmlns:a16="http://schemas.microsoft.com/office/drawing/2014/main" id="{57E667C7-BCBC-3D96-A2E8-865CCE9803CD}"/>
+              </a:ext>
+            </a:extLst>
+          </p:cNvPr>
+          <p:cNvPicPr>
+            <a:picLocks noChangeAspect="1"/>
+          </p:cNvPicPr>
+          <p:nvPr/>
+        </p:nvPicPr>
+        <p:blipFill>
+          <a:blip r:embed="rId3"/>
+          <a:stretch>
+            <a:fillRect/>
+          </a:stretch>
+        </p:blipFill>
+        <p:spPr>
+          <a:xfrm>
+            <a:off x="2163485" y="2746232"/>
+            <a:ext cx="878031" cy="822105"/>
+          </a:xfrm>
+          <a:prstGeom prst="rect">
+            <a:avLst/>
+          </a:prstGeom>
+        </p:spPr>
+      </p:pic>
+      <p:sp>
+        <p:nvSpPr>
+          <p:cNvPr id="8" name="TextBox 7">
+            <a:extLst>
+              <a:ext uri="{FF2B5EF4-FFF2-40B4-BE49-F238E27FC236}">
+                <a16:creationId xmlns:a16="http://schemas.microsoft.com/office/drawing/2014/main" id="{73D07954-57C0-F6F9-7A5B-4F0F46F9421D}"/>
+              </a:ext>
+            </a:extLst>
+          </p:cNvPr>
+          <p:cNvSpPr txBox="1"/>
+          <p:nvPr/>
+        </p:nvSpPr>
+        <p:spPr>
+          <a:xfrm>
+            <a:off x="3161210" y="2972618"/>
+            <a:ext cx="5268686" cy="369332"/>
+          </a:xfrm>
+          <a:prstGeom prst="rect">
+            <a:avLst/>
+          </a:prstGeom>
+          <a:noFill/>
+        </p:spPr>
+        <p:txBody>
+          <a:bodyPr wrap="square" rtlCol="0">
+            <a:spAutoFit/>
+          </a:bodyPr>
+          <a:lstStyle/>
+          <a:p>
+            <a:r>
+              <a:rPr lang="en-US" dirty="0"/>
+              <a:t>Remix IDE with Solidity</a:t>
+            </a:r>
+          </a:p>
+        </p:txBody>
+      </p:sp>
+      <p:pic>
+        <p:nvPicPr>
+          <p:cNvPr id="10" name="Picture 9">
+            <a:extLst>
+              <a:ext uri="{FF2B5EF4-FFF2-40B4-BE49-F238E27FC236}">
+                <a16:creationId xmlns:a16="http://schemas.microsoft.com/office/drawing/2014/main" id="{BE52A9DF-A205-0863-8124-989EC8C8C586}"/>
+              </a:ext>
+            </a:extLst>
+          </p:cNvPr>
+          <p:cNvPicPr>
+            <a:picLocks noChangeAspect="1"/>
+          </p:cNvPicPr>
+          <p:nvPr/>
+        </p:nvPicPr>
+        <p:blipFill>
+          <a:blip r:embed="rId4"/>
+          <a:stretch>
+            <a:fillRect/>
+          </a:stretch>
+        </p:blipFill>
+        <p:spPr>
+          <a:xfrm>
+            <a:off x="2263511" y="4242944"/>
+            <a:ext cx="523948" cy="514422"/>
+          </a:xfrm>
+          <a:prstGeom prst="rect">
+            <a:avLst/>
+          </a:prstGeom>
+        </p:spPr>
+      </p:pic>
+      <p:sp>
+        <p:nvSpPr>
+          <p:cNvPr id="11" name="TextBox 10">
+            <a:extLst>
+              <a:ext uri="{FF2B5EF4-FFF2-40B4-BE49-F238E27FC236}">
+                <a16:creationId xmlns:a16="http://schemas.microsoft.com/office/drawing/2014/main" id="{2A70D123-6EB6-3116-61B4-DA020AA4643C}"/>
+              </a:ext>
+            </a:extLst>
+          </p:cNvPr>
+          <p:cNvSpPr txBox="1"/>
+          <p:nvPr/>
+        </p:nvSpPr>
+        <p:spPr>
+          <a:xfrm>
+            <a:off x="3041516" y="4315489"/>
+            <a:ext cx="5268686" cy="369332"/>
+          </a:xfrm>
+          <a:prstGeom prst="rect">
+            <a:avLst/>
+          </a:prstGeom>
+          <a:noFill/>
+        </p:spPr>
+        <p:txBody>
+          <a:bodyPr wrap="square" rtlCol="0">
+            <a:spAutoFit/>
+          </a:bodyPr>
+          <a:lstStyle/>
+          <a:p>
+            <a:r>
+              <a:rPr lang="en-US" dirty="0" err="1"/>
+              <a:t>Metamask</a:t>
+            </a:r>
+            <a:r>
+              <a:rPr lang="en-US" dirty="0"/>
+              <a:t> to manage wallets</a:t>
+            </a:r>
+          </a:p>
+        </p:txBody>
+      </p:sp>
+      <p:pic>
+        <p:nvPicPr>
+          <p:cNvPr id="13" name="Picture 12">
+            <a:extLst>
+              <a:ext uri="{FF2B5EF4-FFF2-40B4-BE49-F238E27FC236}">
+                <a16:creationId xmlns:a16="http://schemas.microsoft.com/office/drawing/2014/main" id="{A67DE509-815B-FC1B-42DF-2103ADDA71C8}"/>
+              </a:ext>
+            </a:extLst>
+          </p:cNvPr>
+          <p:cNvPicPr>
+            <a:picLocks noChangeAspect="1"/>
+          </p:cNvPicPr>
+          <p:nvPr/>
+        </p:nvPicPr>
+        <p:blipFill>
+          <a:blip r:embed="rId5"/>
+          <a:stretch>
+            <a:fillRect/>
+          </a:stretch>
+        </p:blipFill>
+        <p:spPr>
+          <a:xfrm>
+            <a:off x="2050589" y="5185954"/>
+            <a:ext cx="949792" cy="1198849"/>
+          </a:xfrm>
+          <a:prstGeom prst="rect">
+            <a:avLst/>
+          </a:prstGeom>
+        </p:spPr>
+      </p:pic>
+      <p:sp>
+        <p:nvSpPr>
+          <p:cNvPr id="14" name="TextBox 13">
+            <a:extLst>
+              <a:ext uri="{FF2B5EF4-FFF2-40B4-BE49-F238E27FC236}">
+                <a16:creationId xmlns:a16="http://schemas.microsoft.com/office/drawing/2014/main" id="{898050E5-F176-AAA8-E84B-FF534C6670C9}"/>
+              </a:ext>
+            </a:extLst>
+          </p:cNvPr>
+          <p:cNvSpPr txBox="1"/>
+          <p:nvPr/>
+        </p:nvSpPr>
+        <p:spPr>
+          <a:xfrm>
+            <a:off x="3091542" y="5599886"/>
+            <a:ext cx="5268686" cy="369332"/>
+          </a:xfrm>
+          <a:prstGeom prst="rect">
+            <a:avLst/>
+          </a:prstGeom>
+          <a:noFill/>
+        </p:spPr>
+        <p:txBody>
+          <a:bodyPr wrap="square" rtlCol="0">
+            <a:spAutoFit/>
+          </a:bodyPr>
+          <a:lstStyle/>
+          <a:p>
+            <a:r>
+              <a:rPr lang="en-US" dirty="0"/>
+              <a:t>Ganache Truffle Suite to provide test wallet accounts</a:t>
+            </a:r>
+          </a:p>
+        </p:txBody>
+      </p:sp>
+      <p:pic>
+        <p:nvPicPr>
+          <p:cNvPr id="16" name="Picture 15">
+            <a:extLst>
+              <a:ext uri="{FF2B5EF4-FFF2-40B4-BE49-F238E27FC236}">
+                <a16:creationId xmlns:a16="http://schemas.microsoft.com/office/drawing/2014/main" id="{04D5812E-CDEE-B1E1-80A2-B3F48B08DA82}"/>
+              </a:ext>
+            </a:extLst>
+          </p:cNvPr>
+          <p:cNvPicPr>
+            <a:picLocks noChangeAspect="1"/>
+          </p:cNvPicPr>
+          <p:nvPr/>
+        </p:nvPicPr>
+        <p:blipFill>
+          <a:blip r:embed="rId6"/>
+          <a:stretch>
+            <a:fillRect/>
+          </a:stretch>
+        </p:blipFill>
+        <p:spPr>
+          <a:xfrm>
+            <a:off x="8826942" y="2049459"/>
+            <a:ext cx="1046252" cy="1085627"/>
+          </a:xfrm>
+          <a:prstGeom prst="rect">
+            <a:avLst/>
+          </a:prstGeom>
+        </p:spPr>
+      </p:pic>
+      <p:sp>
+        <p:nvSpPr>
+          <p:cNvPr id="17" name="TextBox 16">
+            <a:extLst>
+              <a:ext uri="{FF2B5EF4-FFF2-40B4-BE49-F238E27FC236}">
+                <a16:creationId xmlns:a16="http://schemas.microsoft.com/office/drawing/2014/main" id="{ADC42760-2F08-E2E0-5B87-1A4A63502C03}"/>
+              </a:ext>
+            </a:extLst>
+          </p:cNvPr>
+          <p:cNvSpPr txBox="1"/>
+          <p:nvPr/>
+        </p:nvSpPr>
+        <p:spPr>
+          <a:xfrm>
+            <a:off x="8826942" y="3244334"/>
+            <a:ext cx="2072640" cy="369332"/>
+          </a:xfrm>
+          <a:prstGeom prst="rect">
+            <a:avLst/>
+          </a:prstGeom>
+          <a:noFill/>
+        </p:spPr>
+        <p:txBody>
+          <a:bodyPr wrap="square" rtlCol="0">
+            <a:spAutoFit/>
+          </a:bodyPr>
+          <a:lstStyle/>
+          <a:p>
+            <a:r>
+              <a:rPr lang="en-US" dirty="0"/>
+              <a:t>Visual Studio Code</a:t>
+            </a:r>
+          </a:p>
+        </p:txBody>
+      </p:sp>
+      <p:pic>
+        <p:nvPicPr>
+          <p:cNvPr id="6" name="Picture 5">
+            <a:extLst>
+              <a:ext uri="{FF2B5EF4-FFF2-40B4-BE49-F238E27FC236}">
+                <a16:creationId xmlns:a16="http://schemas.microsoft.com/office/drawing/2014/main" id="{07F2437E-88E7-CBD3-A477-1C97CBEB84C6}"/>
+              </a:ext>
+            </a:extLst>
+          </p:cNvPr>
+          <p:cNvPicPr>
+            <a:picLocks noChangeAspect="1"/>
+          </p:cNvPicPr>
+          <p:nvPr/>
+        </p:nvPicPr>
+        <p:blipFill>
+          <a:blip r:embed="rId7"/>
+          <a:stretch>
+            <a:fillRect/>
+          </a:stretch>
+        </p:blipFill>
+        <p:spPr>
+          <a:xfrm>
+            <a:off x="8642435" y="4260899"/>
+            <a:ext cx="1286054" cy="847843"/>
+          </a:xfrm>
+          <a:prstGeom prst="rect">
+            <a:avLst/>
+          </a:prstGeom>
+        </p:spPr>
+      </p:pic>
+      <p:sp>
+        <p:nvSpPr>
+          <p:cNvPr id="15" name="TextBox 14">
+            <a:extLst>
+              <a:ext uri="{FF2B5EF4-FFF2-40B4-BE49-F238E27FC236}">
+                <a16:creationId xmlns:a16="http://schemas.microsoft.com/office/drawing/2014/main" id="{CDF414B8-3795-3B54-A792-9A04290A68B1}"/>
+              </a:ext>
+            </a:extLst>
+          </p:cNvPr>
+          <p:cNvSpPr txBox="1"/>
+          <p:nvPr/>
+        </p:nvSpPr>
+        <p:spPr>
+          <a:xfrm>
+            <a:off x="10008042" y="4500154"/>
+            <a:ext cx="2072640" cy="646331"/>
+          </a:xfrm>
+          <a:prstGeom prst="rect">
+            <a:avLst/>
+          </a:prstGeom>
+          <a:noFill/>
+        </p:spPr>
+        <p:txBody>
+          <a:bodyPr wrap="square" rtlCol="0">
+            <a:spAutoFit/>
+          </a:bodyPr>
+          <a:lstStyle/>
+          <a:p>
+            <a:r>
+              <a:rPr lang="en-US" dirty="0"/>
+              <a:t>React </a:t>
+            </a:r>
+            <a:r>
+              <a:rPr lang="en-US" dirty="0" err="1"/>
+              <a:t>Javascript</a:t>
+            </a:r>
+            <a:r>
+              <a:rPr lang="en-US" dirty="0"/>
+              <a:t> library</a:t>
+            </a:r>
+          </a:p>
+        </p:txBody>
+      </p:sp>
+    </p:spTree>
+    <p:extLst>
+      <p:ext uri="{BB962C8B-B14F-4D97-AF65-F5344CB8AC3E}">
+        <p14:creationId xmlns:p14="http://schemas.microsoft.com/office/powerpoint/2010/main" val="1829096159"/>
+      </p:ext>
+    </p:extLst>
+  </p:cSld>
+  <p:clrMapOvr>
+    <a:masterClrMapping/>
+  </p:clrMapOvr>
+</p:sld>
+</file>
+
+<file path=ppt/slides/slide6.xml><?xml version="1.0" encoding="utf-8"?>
+<p:sld xmlns:a="http://schemas.openxmlformats.org/drawingml/2006/main" xmlns:r="http://schemas.openxmlformats.org/officeDocument/2006/relationships" xmlns:p="http://schemas.openxmlformats.org/presentationml/2006/main">
+  <p:cSld>
+    <p:spTree>
+      <p:nvGrpSpPr>
+        <p:cNvPr id="1" name=""/>
+        <p:cNvGrpSpPr/>
+        <p:nvPr/>
+      </p:nvGrpSpPr>
+      <p:grpSpPr>
+        <a:xfrm>
+          <a:off x="0" y="0"/>
+          <a:ext cx="0" cy="0"/>
+          <a:chOff x="0" y="0"/>
+          <a:chExt cx="0" cy="0"/>
+        </a:xfrm>
+      </p:grpSpPr>
+      <p:sp>
+        <p:nvSpPr>
+          <p:cNvPr id="2" name="TextBox 1">
+            <a:extLst>
+              <a:ext uri="{FF2B5EF4-FFF2-40B4-BE49-F238E27FC236}">
                 <a16:creationId xmlns:a16="http://schemas.microsoft.com/office/drawing/2014/main" id="{98A10E60-F6CF-978D-1598-595F22C487FC}"/>
               </a:ext>
             </a:extLst>
@@ -5100,14 +5088,14 @@
           <p:nvPr>
             <p:extLst>
               <p:ext uri="{D42A27DB-BD31-4B8C-83A1-F6EECF244321}">
-                <p14:modId xmlns:p14="http://schemas.microsoft.com/office/powerpoint/2010/main" val="3605688643"/>
+                <p14:modId xmlns:p14="http://schemas.microsoft.com/office/powerpoint/2010/main" val="2959414256"/>
               </p:ext>
             </p:extLst>
           </p:nvPr>
         </p:nvGraphicFramePr>
         <p:xfrm>
-          <a:off x="717821" y="2241624"/>
-          <a:ext cx="6054452" cy="3067715"/>
+          <a:off x="717821" y="2082019"/>
+          <a:ext cx="6054452" cy="3587498"/>
         </p:xfrm>
         <a:graphic>
           <a:graphicData uri="http://schemas.openxmlformats.org/drawingml/2006/table">
@@ -5473,6 +5461,63 @@
                   </a:ext>
                 </a:extLst>
               </a:tr>
+              <a:tr h="519783">
+                <a:tc>
+                  <a:txBody>
+                    <a:bodyPr/>
+                    <a:lstStyle/>
+                    <a:p>
+                      <a:r>
+                        <a:rPr lang="en-US" sz="1400" dirty="0"/>
+                        <a:t>Total</a:t>
+                      </a:r>
+                    </a:p>
+                  </a:txBody>
+                  <a:tcPr anchor="ctr"/>
+                </a:tc>
+                <a:tc>
+                  <a:txBody>
+                    <a:bodyPr/>
+                    <a:lstStyle/>
+                    <a:p>
+                      <a:endParaRPr lang="en-US" sz="1400" b="1" dirty="0"/>
+                    </a:p>
+                  </a:txBody>
+                  <a:tcPr anchor="ctr"/>
+                </a:tc>
+                <a:tc>
+                  <a:txBody>
+                    <a:bodyPr/>
+                    <a:lstStyle/>
+                    <a:p>
+                      <a:endParaRPr lang="en-US" sz="1400" dirty="0"/>
+                    </a:p>
+                  </a:txBody>
+                  <a:tcPr anchor="ctr"/>
+                </a:tc>
+                <a:tc>
+                  <a:txBody>
+                    <a:bodyPr/>
+                    <a:lstStyle/>
+                    <a:p>
+                      <a:r>
+                        <a:rPr lang="en-US" sz="1400" dirty="0"/>
+                        <a:t>$218,400</a:t>
+                      </a:r>
+                    </a:p>
+                  </a:txBody>
+                  <a:tcPr anchor="ctr">
+                    <a:solidFill>
+                      <a:srgbClr val="FFFF00"/>
+                    </a:solidFill>
+                  </a:tcPr>
+                </a:tc>
+                <a:extLst>
+                  <a:ext uri="{0D108BD9-81ED-4DB2-BD59-A6C34878D82A}">
+                    <a16:rowId xmlns:a16="http://schemas.microsoft.com/office/drawing/2014/main" val="3727786382"/>
+                  </a:ext>
+                </a:extLst>
+              </a:tr>
             </a:tbl>
           </a:graphicData>
         </a:graphic>
@@ -5491,8 +5536,8 @@
         </p:nvSpPr>
         <p:spPr>
           <a:xfrm>
-            <a:off x="1187797" y="5634446"/>
-            <a:ext cx="7943200" cy="923330"/>
+            <a:off x="717821" y="5719550"/>
+            <a:ext cx="4950394" cy="600164"/>
           </a:xfrm>
           <a:prstGeom prst="rect">
             <a:avLst/>
@@ -5506,20 +5551,91 @@
           <a:lstStyle/>
           <a:p>
             <a:r>
-              <a:rPr lang="en-US" dirty="0"/>
+              <a:rPr lang="en-US" sz="1100" dirty="0"/>
               <a:t>*Developer &amp; PM salaries based on salary estimates in job postings from Accenture</a:t>
             </a:r>
           </a:p>
           <a:p>
             <a:r>
-              <a:rPr lang="en-US" dirty="0"/>
+              <a:rPr lang="en-US" sz="1100" dirty="0"/>
               <a:t>**Graphic Artist salary from various companies on Indeed.com</a:t>
             </a:r>
           </a:p>
           <a:p>
             <a:r>
-              <a:rPr lang="en-US" dirty="0"/>
+              <a:rPr lang="en-US" sz="1100" dirty="0"/>
               <a:t>Contract rates assume 2080 hours per year (40 hours over 52 weeks)</a:t>
+            </a:r>
+          </a:p>
+        </p:txBody>
+      </p:sp>
+      <p:sp>
+        <p:nvSpPr>
+          <p:cNvPr id="7" name="TextBox 6">
+            <a:extLst>
+              <a:ext uri="{FF2B5EF4-FFF2-40B4-BE49-F238E27FC236}">
+                <a16:creationId xmlns:a16="http://schemas.microsoft.com/office/drawing/2014/main" id="{37CFF13D-234B-1050-B1FB-225628175508}"/>
+              </a:ext>
+            </a:extLst>
+          </p:cNvPr>
+          <p:cNvSpPr txBox="1"/>
+          <p:nvPr/>
+        </p:nvSpPr>
+        <p:spPr>
+          <a:xfrm>
+            <a:off x="7593874" y="2612570"/>
+            <a:ext cx="3619048" cy="2031325"/>
+          </a:xfrm>
+          <a:prstGeom prst="rect">
+            <a:avLst/>
+          </a:prstGeom>
+          <a:noFill/>
+        </p:spPr>
+        <p:txBody>
+          <a:bodyPr wrap="square" rtlCol="0">
+            <a:spAutoFit/>
+          </a:bodyPr>
+          <a:lstStyle/>
+          <a:p>
+            <a:r>
+              <a:rPr lang="en-US" sz="1400" dirty="0"/>
+              <a:t>Contract Salaries: $218,400</a:t>
+            </a:r>
+          </a:p>
+          <a:p>
+            <a:endParaRPr lang="en-US" sz="1400" dirty="0"/>
+          </a:p>
+          <a:p>
+            <a:r>
+              <a:rPr lang="en-US" sz="1400" dirty="0"/>
+              <a:t>Equipment: $8000 (4 * $2000 computers)</a:t>
+            </a:r>
+          </a:p>
+          <a:p>
+            <a:endParaRPr lang="en-US" sz="1400" dirty="0"/>
+          </a:p>
+          <a:p>
+            <a:r>
+              <a:rPr lang="en-US" sz="1400" dirty="0"/>
+              <a:t>Costs to launch Ethereum contracts: ~ X*$450</a:t>
+            </a:r>
+          </a:p>
+          <a:p>
+            <a:endParaRPr lang="en-US" sz="1400" dirty="0"/>
+          </a:p>
+          <a:p>
+            <a:r>
+              <a:rPr lang="en-US" sz="1400" dirty="0"/>
+              <a:t>Gas costs for testing: </a:t>
+            </a:r>
+          </a:p>
+          <a:p>
+            <a:endParaRPr lang="en-US" sz="1400" dirty="0"/>
+          </a:p>
+          <a:p>
+            <a:r>
+              <a:rPr lang="en-US" sz="1400" dirty="0"/>
+              <a:t>Total:  </a:t>
             </a:r>
           </a:p>
         </p:txBody>
@@ -5528,6 +5644,189 @@
     <p:extLst>
       <p:ext uri="{BB962C8B-B14F-4D97-AF65-F5344CB8AC3E}">
         <p14:creationId xmlns:p14="http://schemas.microsoft.com/office/powerpoint/2010/main" val="3434687813"/>
+      </p:ext>
+    </p:extLst>
+  </p:cSld>
+  <p:clrMapOvr>
+    <a:masterClrMapping/>
+  </p:clrMapOvr>
+</p:sld>
+</file>
+
+<file path=ppt/slides/slide7.xml><?xml version="1.0" encoding="utf-8"?>
+<p:sld xmlns:a="http://schemas.openxmlformats.org/drawingml/2006/main" xmlns:r="http://schemas.openxmlformats.org/officeDocument/2006/relationships" xmlns:p="http://schemas.openxmlformats.org/presentationml/2006/main">
+  <p:cSld>
+    <p:spTree>
+      <p:nvGrpSpPr>
+        <p:cNvPr id="1" name=""/>
+        <p:cNvGrpSpPr/>
+        <p:nvPr/>
+      </p:nvGrpSpPr>
+      <p:grpSpPr>
+        <a:xfrm>
+          <a:off x="0" y="0"/>
+          <a:ext cx="0" cy="0"/>
+          <a:chOff x="0" y="0"/>
+          <a:chExt cx="0" cy="0"/>
+        </a:xfrm>
+      </p:grpSpPr>
+      <p:sp>
+        <p:nvSpPr>
+          <p:cNvPr id="3" name="TextBox 2">
+            <a:extLst>
+              <a:ext uri="{FF2B5EF4-FFF2-40B4-BE49-F238E27FC236}">
+                <a16:creationId xmlns:a16="http://schemas.microsoft.com/office/drawing/2014/main" id="{34CE54B5-7E96-75C6-C8F4-45E78D224FCF}"/>
+              </a:ext>
+            </a:extLst>
+          </p:cNvPr>
+          <p:cNvSpPr txBox="1"/>
+          <p:nvPr/>
+        </p:nvSpPr>
+        <p:spPr>
+          <a:xfrm>
+            <a:off x="955640" y="684058"/>
+            <a:ext cx="10800932" cy="2585323"/>
+          </a:xfrm>
+          <a:prstGeom prst="rect">
+            <a:avLst/>
+          </a:prstGeom>
+          <a:noFill/>
+        </p:spPr>
+        <p:txBody>
+          <a:bodyPr wrap="square" rtlCol="0">
+            <a:spAutoFit/>
+          </a:bodyPr>
+          <a:lstStyle/>
+          <a:p>
+            <a:endParaRPr lang="en-US" sz="1600" b="0" i="0" dirty="0">
+              <a:solidFill>
+                <a:srgbClr val="202124"/>
+              </a:solidFill>
+              <a:effectLst/>
+            </a:endParaRPr>
+          </a:p>
+          <a:p>
+            <a:pPr algn="ctr"/>
+            <a:r>
+              <a:rPr lang="en-US" b="1" dirty="0">
+                <a:solidFill>
+                  <a:srgbClr val="202124"/>
+                </a:solidFill>
+              </a:rPr>
+              <a:t>Next Steps</a:t>
+            </a:r>
+          </a:p>
+          <a:p>
+            <a:pPr marL="171450" indent="-171450">
+              <a:buFont typeface="Arial" panose="020B0604020202020204" pitchFamily="34" charset="0"/>
+              <a:buChar char="•"/>
+            </a:pPr>
+            <a:endParaRPr lang="en-US" sz="1600" dirty="0">
+              <a:solidFill>
+                <a:srgbClr val="202124"/>
+              </a:solidFill>
+            </a:endParaRPr>
+          </a:p>
+          <a:p>
+            <a:pPr marL="171450" indent="-171450">
+              <a:buFont typeface="Arial" panose="020B0604020202020204" pitchFamily="34" charset="0"/>
+              <a:buChar char="•"/>
+            </a:pPr>
+            <a:r>
+              <a:rPr lang="en-US" sz="1600" dirty="0">
+                <a:solidFill>
+                  <a:srgbClr val="202124"/>
+                </a:solidFill>
+              </a:rPr>
+              <a:t>Improve gameplay to include more actions and strategy and establishment of clans</a:t>
+            </a:r>
+          </a:p>
+          <a:p>
+            <a:pPr marL="171450" indent="-171450">
+              <a:buFont typeface="Arial" panose="020B0604020202020204" pitchFamily="34" charset="0"/>
+              <a:buChar char="•"/>
+            </a:pPr>
+            <a:r>
+              <a:rPr lang="en-US" sz="1600" b="0" i="0" dirty="0">
+                <a:solidFill>
+                  <a:srgbClr val="202124"/>
+                </a:solidFill>
+                <a:effectLst/>
+              </a:rPr>
+              <a:t>Make the OAC token available on tradeable cryptocurrency platforms</a:t>
+            </a:r>
+          </a:p>
+          <a:p>
+            <a:pPr marL="171450" indent="-171450">
+              <a:buFont typeface="Arial" panose="020B0604020202020204" pitchFamily="34" charset="0"/>
+              <a:buChar char="•"/>
+            </a:pPr>
+            <a:r>
+              <a:rPr lang="en-US" sz="1600" dirty="0">
+                <a:solidFill>
+                  <a:srgbClr val="202124"/>
+                </a:solidFill>
+              </a:rPr>
+              <a:t>Continue to develop the graphics for the game</a:t>
+            </a:r>
+          </a:p>
+          <a:p>
+            <a:pPr marL="171450" indent="-171450">
+              <a:buFont typeface="Arial" panose="020B0604020202020204" pitchFamily="34" charset="0"/>
+              <a:buChar char="•"/>
+            </a:pPr>
+            <a:r>
+              <a:rPr lang="en-US" sz="1600" dirty="0">
+                <a:solidFill>
+                  <a:srgbClr val="202124"/>
+                </a:solidFill>
+              </a:rPr>
+              <a:t>Build out the NFT component to allow for customizations that can increase the value of NFTs</a:t>
+            </a:r>
+          </a:p>
+          <a:p>
+            <a:pPr marL="171450" indent="-171450">
+              <a:buFont typeface="Arial" panose="020B0604020202020204" pitchFamily="34" charset="0"/>
+              <a:buChar char="•"/>
+            </a:pPr>
+            <a:r>
+              <a:rPr lang="en-US" sz="1600" dirty="0">
+                <a:solidFill>
+                  <a:srgbClr val="202124"/>
+                </a:solidFill>
+              </a:rPr>
+              <a:t>Make the NFTs available to be traded or sold in open marketplaces</a:t>
+            </a:r>
+          </a:p>
+          <a:p>
+            <a:pPr marL="171450" indent="-171450">
+              <a:buFont typeface="Arial" panose="020B0604020202020204" pitchFamily="34" charset="0"/>
+              <a:buChar char="•"/>
+            </a:pPr>
+            <a:r>
+              <a:rPr lang="en-US" sz="1600" b="0" i="0" dirty="0">
+                <a:solidFill>
+                  <a:srgbClr val="202124"/>
+                </a:solidFill>
+                <a:effectLst/>
+              </a:rPr>
+              <a:t>Develop spin-off products like t-shirts and stickers</a:t>
+            </a:r>
+          </a:p>
+          <a:p>
+            <a:endParaRPr lang="en-US" sz="1600" b="0" i="0" dirty="0">
+              <a:solidFill>
+                <a:srgbClr val="202124"/>
+              </a:solidFill>
+              <a:effectLst/>
+            </a:endParaRPr>
+          </a:p>
+        </p:txBody>
+      </p:sp>
+    </p:spTree>
+    <p:extLst>
+      <p:ext uri="{BB962C8B-B14F-4D97-AF65-F5344CB8AC3E}">
+        <p14:creationId xmlns:p14="http://schemas.microsoft.com/office/powerpoint/2010/main" val="3906433061"/>
       </p:ext>
     </p:extLst>
   </p:cSld>
